--- a/Projet OMP.pptx
+++ b/Projet OMP.pptx
@@ -151,7 +151,7 @@
   </p:defaultTextStyle>
   <p:extLst>
     <p:ext uri="{EFAFB233-063F-42B5-8137-9DF3F51BA10A}">
-      <p15:sldGuideLst xmlns:p15="http://schemas.microsoft.com/office/powerpoint/2012/main">
+      <p15:sldGuideLst xmlns="" xmlns:p15="http://schemas.microsoft.com/office/powerpoint/2012/main">
         <p15:guide id="1" orient="horz" pos="2160">
           <p15:clr>
             <a:srgbClr val="A4A3A4"/>
@@ -217,14 +217,14 @@
           </a:ln>
           <a:effectLst/>
           <a:extLst>
-            <a:ext uri="{909E8E84-426E-40DD-AFC4-6F175D3DCCD1}">
+            <a:ext uri="{909E8E84-426E-40dd-AFC4-6F175D3DCCD1}">
               <a14:hiddenFill xmlns:a14="http://schemas.microsoft.com/office/drawing/2010/main">
                 <a:solidFill>
                   <a:schemeClr val="accent1"/>
                 </a:solidFill>
               </a14:hiddenFill>
             </a:ext>
-            <a:ext uri="{91240B29-F687-4F45-9708-019B960494DF}">
+            <a:ext uri="{91240B29-F687-4f45-9708-019B960494DF}">
               <a14:hiddenLine xmlns:a14="http://schemas.microsoft.com/office/drawing/2010/main" w="12700" cap="sq">
                 <a:solidFill>
                   <a:schemeClr val="tx1"/>
@@ -234,7 +234,7 @@
                 <a:tailEnd type="none" w="sm" len="sm"/>
               </a14:hiddenLine>
             </a:ext>
-            <a:ext uri="{AF507438-7753-43E0-B8FC-AC1667EBCBE1}">
+            <a:ext uri="{AF507438-7753-43e0-B8FC-AC1667EBCBE1}">
               <a14:hiddenEffects xmlns:a14="http://schemas.microsoft.com/office/drawing/2010/main">
                 <a:effectLst>
                   <a:outerShdw dist="35921" dir="2700000" algn="ctr" rotWithShape="0">
@@ -285,14 +285,14 @@
           </a:ln>
           <a:effectLst/>
           <a:extLst>
-            <a:ext uri="{909E8E84-426E-40DD-AFC4-6F175D3DCCD1}">
+            <a:ext uri="{909E8E84-426E-40dd-AFC4-6F175D3DCCD1}">
               <a14:hiddenFill xmlns:a14="http://schemas.microsoft.com/office/drawing/2010/main">
                 <a:solidFill>
                   <a:schemeClr val="accent1"/>
                 </a:solidFill>
               </a14:hiddenFill>
             </a:ext>
-            <a:ext uri="{91240B29-F687-4F45-9708-019B960494DF}">
+            <a:ext uri="{91240B29-F687-4f45-9708-019B960494DF}">
               <a14:hiddenLine xmlns:a14="http://schemas.microsoft.com/office/drawing/2010/main" w="12700" cap="sq">
                 <a:solidFill>
                   <a:schemeClr val="tx1"/>
@@ -302,7 +302,7 @@
                 <a:tailEnd type="none" w="sm" len="sm"/>
               </a14:hiddenLine>
             </a:ext>
-            <a:ext uri="{AF507438-7753-43E0-B8FC-AC1667EBCBE1}">
+            <a:ext uri="{AF507438-7753-43e0-B8FC-AC1667EBCBE1}">
               <a14:hiddenEffects xmlns:a14="http://schemas.microsoft.com/office/drawing/2010/main">
                 <a:effectLst>
                   <a:outerShdw dist="35921" dir="2700000" algn="ctr" rotWithShape="0">
@@ -353,14 +353,14 @@
           </a:ln>
           <a:effectLst/>
           <a:extLst>
-            <a:ext uri="{909E8E84-426E-40DD-AFC4-6F175D3DCCD1}">
+            <a:ext uri="{909E8E84-426E-40dd-AFC4-6F175D3DCCD1}">
               <a14:hiddenFill xmlns:a14="http://schemas.microsoft.com/office/drawing/2010/main">
                 <a:solidFill>
                   <a:schemeClr val="accent1"/>
                 </a:solidFill>
               </a14:hiddenFill>
             </a:ext>
-            <a:ext uri="{91240B29-F687-4F45-9708-019B960494DF}">
+            <a:ext uri="{91240B29-F687-4f45-9708-019B960494DF}">
               <a14:hiddenLine xmlns:a14="http://schemas.microsoft.com/office/drawing/2010/main" w="12700" cap="sq">
                 <a:solidFill>
                   <a:schemeClr val="tx1"/>
@@ -370,7 +370,7 @@
                 <a:tailEnd type="none" w="sm" len="sm"/>
               </a14:hiddenLine>
             </a:ext>
-            <a:ext uri="{AF507438-7753-43E0-B8FC-AC1667EBCBE1}">
+            <a:ext uri="{AF507438-7753-43e0-B8FC-AC1667EBCBE1}">
               <a14:hiddenEffects xmlns:a14="http://schemas.microsoft.com/office/drawing/2010/main">
                 <a:effectLst>
                   <a:outerShdw dist="35921" dir="2700000" algn="ctr" rotWithShape="0">
@@ -421,14 +421,14 @@
           </a:ln>
           <a:effectLst/>
           <a:extLst>
-            <a:ext uri="{909E8E84-426E-40DD-AFC4-6F175D3DCCD1}">
+            <a:ext uri="{909E8E84-426E-40dd-AFC4-6F175D3DCCD1}">
               <a14:hiddenFill xmlns:a14="http://schemas.microsoft.com/office/drawing/2010/main">
                 <a:solidFill>
                   <a:schemeClr val="accent1"/>
                 </a:solidFill>
               </a14:hiddenFill>
             </a:ext>
-            <a:ext uri="{91240B29-F687-4F45-9708-019B960494DF}">
+            <a:ext uri="{91240B29-F687-4f45-9708-019B960494DF}">
               <a14:hiddenLine xmlns:a14="http://schemas.microsoft.com/office/drawing/2010/main" w="12700" cap="sq">
                 <a:solidFill>
                   <a:schemeClr val="tx1"/>
@@ -438,7 +438,7 @@
                 <a:tailEnd type="none" w="sm" len="sm"/>
               </a14:hiddenLine>
             </a:ext>
-            <a:ext uri="{AF507438-7753-43E0-B8FC-AC1667EBCBE1}">
+            <a:ext uri="{AF507438-7753-43e0-B8FC-AC1667EBCBE1}">
               <a14:hiddenEffects xmlns:a14="http://schemas.microsoft.com/office/drawing/2010/main">
                 <a:effectLst>
                   <a:outerShdw dist="35921" dir="2700000" algn="ctr" rotWithShape="0">
@@ -464,7 +464,7 @@
             <a:fld id="{4B428B36-C543-42D9-BBA6-37F84FDFF3D3}" type="slidenum">
               <a:rPr lang="en-US"/>
               <a:pPr/>
-              <a:t>‹N°›</a:t>
+              <a:t>‹#›</a:t>
             </a:fld>
             <a:endParaRPr lang="en-US"/>
           </a:p>
@@ -529,14 +529,14 @@
             <a:noFill/>
           </a:ln>
           <a:extLst>
-            <a:ext uri="{909E8E84-426E-40DD-AFC4-6F175D3DCCD1}">
+            <a:ext uri="{909E8E84-426E-40dd-AFC4-6F175D3DCCD1}">
               <a14:hiddenFill xmlns:a14="http://schemas.microsoft.com/office/drawing/2010/main">
                 <a:solidFill>
                   <a:schemeClr val="accent1"/>
                 </a:solidFill>
               </a14:hiddenFill>
             </a:ext>
-            <a:ext uri="{91240B29-F687-4F45-9708-019B960494DF}">
+            <a:ext uri="{91240B29-F687-4f45-9708-019B960494DF}">
               <a14:hiddenLine xmlns:a14="http://schemas.microsoft.com/office/drawing/2010/main" w="12700" cap="sq">
                 <a:solidFill>
                   <a:schemeClr val="tx1"/>
@@ -616,14 +616,14 @@
             <a:noFill/>
           </a:ln>
           <a:extLst>
-            <a:ext uri="{909E8E84-426E-40DD-AFC4-6F175D3DCCD1}">
+            <a:ext uri="{909E8E84-426E-40dd-AFC4-6F175D3DCCD1}">
               <a14:hiddenFill xmlns:a14="http://schemas.microsoft.com/office/drawing/2010/main">
                 <a:solidFill>
                   <a:schemeClr val="accent1"/>
                 </a:solidFill>
               </a14:hiddenFill>
             </a:ext>
-            <a:ext uri="{91240B29-F687-4F45-9708-019B960494DF}">
+            <a:ext uri="{91240B29-F687-4f45-9708-019B960494DF}">
               <a14:hiddenLine xmlns:a14="http://schemas.microsoft.com/office/drawing/2010/main" w="12700" cap="sq">
                 <a:solidFill>
                   <a:schemeClr val="tx1"/>
@@ -702,14 +702,14 @@
             <a:noFill/>
           </a:ln>
           <a:extLst>
-            <a:ext uri="{909E8E84-426E-40DD-AFC4-6F175D3DCCD1}">
+            <a:ext uri="{909E8E84-426E-40dd-AFC4-6F175D3DCCD1}">
               <a14:hiddenFill xmlns:a14="http://schemas.microsoft.com/office/drawing/2010/main">
                 <a:solidFill>
                   <a:schemeClr val="accent1"/>
                 </a:solidFill>
               </a14:hiddenFill>
             </a:ext>
-            <a:ext uri="{91240B29-F687-4F45-9708-019B960494DF}">
+            <a:ext uri="{91240B29-F687-4f45-9708-019B960494DF}">
               <a14:hiddenLine xmlns:a14="http://schemas.microsoft.com/office/drawing/2010/main" w="12700" cap="sq">
                 <a:solidFill>
                   <a:schemeClr val="tx1"/>
@@ -760,14 +760,14 @@
             <a:noFill/>
           </a:ln>
           <a:extLst>
-            <a:ext uri="{909E8E84-426E-40DD-AFC4-6F175D3DCCD1}">
+            <a:ext uri="{909E8E84-426E-40dd-AFC4-6F175D3DCCD1}">
               <a14:hiddenFill xmlns:a14="http://schemas.microsoft.com/office/drawing/2010/main">
                 <a:solidFill>
                   <a:schemeClr val="accent1"/>
                 </a:solidFill>
               </a14:hiddenFill>
             </a:ext>
-            <a:ext uri="{91240B29-F687-4F45-9708-019B960494DF}">
+            <a:ext uri="{91240B29-F687-4f45-9708-019B960494DF}">
               <a14:hiddenLine xmlns:a14="http://schemas.microsoft.com/office/drawing/2010/main" w="12700" cap="sq">
                 <a:solidFill>
                   <a:schemeClr val="tx1"/>
@@ -818,14 +818,14 @@
             <a:noFill/>
           </a:ln>
           <a:extLst>
-            <a:ext uri="{909E8E84-426E-40DD-AFC4-6F175D3DCCD1}">
+            <a:ext uri="{909E8E84-426E-40dd-AFC4-6F175D3DCCD1}">
               <a14:hiddenFill xmlns:a14="http://schemas.microsoft.com/office/drawing/2010/main">
                 <a:solidFill>
                   <a:schemeClr val="accent1"/>
                 </a:solidFill>
               </a14:hiddenFill>
             </a:ext>
-            <a:ext uri="{91240B29-F687-4F45-9708-019B960494DF}">
+            <a:ext uri="{91240B29-F687-4f45-9708-019B960494DF}">
               <a14:hiddenLine xmlns:a14="http://schemas.microsoft.com/office/drawing/2010/main" w="12700" cap="sq">
                 <a:solidFill>
                   <a:schemeClr val="tx1"/>
@@ -852,7 +852,7 @@
             <a:fld id="{BD037DA4-2CD6-4F4C-9028-0512D97B2D72}" type="slidenum">
               <a:rPr lang="en-US"/>
               <a:pPr/>
-              <a:t>‹N°›</a:t>
+              <a:t>‹#›</a:t>
             </a:fld>
             <a:endParaRPr lang="en-US"/>
           </a:p>
@@ -1147,7 +1147,7 @@
             <a:fld id="{44C49CC9-731A-4B50-BDC0-650767BC6B93}" type="slidenum">
               <a:rPr lang="en-US"/>
               <a:pPr/>
-              <a:t>‹N°›</a:t>
+              <a:t>‹#›</a:t>
             </a:fld>
             <a:endParaRPr lang="en-US"/>
           </a:p>
@@ -1321,7 +1321,7 @@
             <a:fld id="{7DE8DF55-8925-4897-94A2-F3B160803136}" type="slidenum">
               <a:rPr lang="en-US"/>
               <a:pPr/>
-              <a:t>‹N°›</a:t>
+              <a:t>‹#›</a:t>
             </a:fld>
             <a:endParaRPr lang="en-US"/>
           </a:p>
@@ -1510,7 +1510,7 @@
             <a:fld id="{9D3CC660-76E2-4892-BEA7-342DC714E73F}" type="slidenum">
               <a:rPr lang="en-US"/>
               <a:pPr/>
-              <a:t>‹N°›</a:t>
+              <a:t>‹#›</a:t>
             </a:fld>
             <a:endParaRPr lang="en-US"/>
           </a:p>
@@ -1689,7 +1689,7 @@
             <a:fld id="{E6519293-D77A-4508-B13B-413E2935BF6F}" type="slidenum">
               <a:rPr lang="en-US"/>
               <a:pPr/>
-              <a:t>‹N°›</a:t>
+              <a:t>‹#›</a:t>
             </a:fld>
             <a:endParaRPr lang="en-US"/>
           </a:p>
@@ -1890,7 +1890,7 @@
             <a:fld id="{F28C84F1-2906-41DC-87CE-BBD85C957CEA}" type="slidenum">
               <a:rPr lang="en-US"/>
               <a:pPr/>
-              <a:t>‹N°›</a:t>
+              <a:t>‹#›</a:t>
             </a:fld>
             <a:endParaRPr lang="en-US"/>
           </a:p>
@@ -2187,7 +2187,7 @@
             <a:fld id="{94BA1F5B-C84C-4C05-9C4A-EEB972CEFF9E}" type="slidenum">
               <a:rPr lang="en-US"/>
               <a:pPr/>
-              <a:t>‹N°›</a:t>
+              <a:t>‹#›</a:t>
             </a:fld>
             <a:endParaRPr lang="en-US"/>
           </a:p>
@@ -2623,7 +2623,7 @@
             <a:fld id="{B38B1162-7B1C-48F4-9B38-A728E2962514}" type="slidenum">
               <a:rPr lang="en-US"/>
               <a:pPr/>
-              <a:t>‹N°›</a:t>
+              <a:t>‹#›</a:t>
             </a:fld>
             <a:endParaRPr lang="en-US"/>
           </a:p>
@@ -2750,7 +2750,7 @@
             <a:fld id="{63CBABED-E1B1-4708-8347-F0AFBF884A58}" type="slidenum">
               <a:rPr lang="en-US"/>
               <a:pPr/>
-              <a:t>‹N°›</a:t>
+              <a:t>‹#›</a:t>
             </a:fld>
             <a:endParaRPr lang="en-US"/>
           </a:p>
@@ -2854,7 +2854,7 @@
             <a:fld id="{CDD132B8-5307-4975-BBA4-A959BE328673}" type="slidenum">
               <a:rPr lang="en-US"/>
               <a:pPr/>
-              <a:t>‹N°›</a:t>
+              <a:t>‹#›</a:t>
             </a:fld>
             <a:endParaRPr lang="en-US"/>
           </a:p>
@@ -3140,7 +3140,7 @@
             <a:fld id="{9B6A9862-C00F-4E88-BDC1-9F667676BE86}" type="slidenum">
               <a:rPr lang="en-US"/>
               <a:pPr/>
-              <a:t>‹N°›</a:t>
+              <a:t>‹#›</a:t>
             </a:fld>
             <a:endParaRPr lang="en-US"/>
           </a:p>
@@ -3406,7 +3406,7 @@
             <a:fld id="{B2F01F83-8EF5-41C8-95A7-32D8C428004C}" type="slidenum">
               <a:rPr lang="en-US"/>
               <a:pPr/>
-              <a:t>‹N°›</a:t>
+              <a:t>‹#›</a:t>
             </a:fld>
             <a:endParaRPr lang="en-US"/>
           </a:p>
@@ -3477,14 +3477,14 @@
             <a:noFill/>
           </a:ln>
           <a:extLst>
-            <a:ext uri="{909E8E84-426E-40DD-AFC4-6F175D3DCCD1}">
+            <a:ext uri="{909E8E84-426E-40dd-AFC4-6F175D3DCCD1}">
               <a14:hiddenFill xmlns:a14="http://schemas.microsoft.com/office/drawing/2010/main">
                 <a:solidFill>
                   <a:schemeClr val="accent1"/>
                 </a:solidFill>
               </a14:hiddenFill>
             </a:ext>
-            <a:ext uri="{91240B29-F687-4F45-9708-019B960494DF}">
+            <a:ext uri="{91240B29-F687-4f45-9708-019B960494DF}">
               <a14:hiddenLine xmlns:a14="http://schemas.microsoft.com/office/drawing/2010/main" w="9525">
                 <a:solidFill>
                   <a:schemeClr val="tx1"/>
@@ -3535,14 +3535,14 @@
             <a:noFill/>
           </a:ln>
           <a:extLst>
-            <a:ext uri="{909E8E84-426E-40DD-AFC4-6F175D3DCCD1}">
+            <a:ext uri="{909E8E84-426E-40dd-AFC4-6F175D3DCCD1}">
               <a14:hiddenFill xmlns:a14="http://schemas.microsoft.com/office/drawing/2010/main">
                 <a:solidFill>
                   <a:schemeClr val="accent1"/>
                 </a:solidFill>
               </a14:hiddenFill>
             </a:ext>
-            <a:ext uri="{91240B29-F687-4F45-9708-019B960494DF}">
+            <a:ext uri="{91240B29-F687-4f45-9708-019B960494DF}">
               <a14:hiddenLine xmlns:a14="http://schemas.microsoft.com/office/drawing/2010/main" w="9525">
                 <a:solidFill>
                   <a:schemeClr val="tx1"/>
@@ -3621,14 +3621,14 @@
             <a:noFill/>
           </a:ln>
           <a:extLst>
-            <a:ext uri="{909E8E84-426E-40DD-AFC4-6F175D3DCCD1}">
+            <a:ext uri="{909E8E84-426E-40dd-AFC4-6F175D3DCCD1}">
               <a14:hiddenFill xmlns:a14="http://schemas.microsoft.com/office/drawing/2010/main">
                 <a:solidFill>
                   <a:schemeClr val="accent1"/>
                 </a:solidFill>
               </a14:hiddenFill>
             </a:ext>
-            <a:ext uri="{91240B29-F687-4F45-9708-019B960494DF}">
+            <a:ext uri="{91240B29-F687-4f45-9708-019B960494DF}">
               <a14:hiddenLine xmlns:a14="http://schemas.microsoft.com/office/drawing/2010/main" w="9525">
                 <a:solidFill>
                   <a:schemeClr val="tx1"/>
@@ -3681,14 +3681,14 @@
             <a:noFill/>
           </a:ln>
           <a:extLst>
-            <a:ext uri="{909E8E84-426E-40DD-AFC4-6F175D3DCCD1}">
+            <a:ext uri="{909E8E84-426E-40dd-AFC4-6F175D3DCCD1}">
               <a14:hiddenFill xmlns:a14="http://schemas.microsoft.com/office/drawing/2010/main">
                 <a:solidFill>
                   <a:schemeClr val="accent1"/>
                 </a:solidFill>
               </a14:hiddenFill>
             </a:ext>
-            <a:ext uri="{91240B29-F687-4F45-9708-019B960494DF}">
+            <a:ext uri="{91240B29-F687-4f45-9708-019B960494DF}">
               <a14:hiddenLine xmlns:a14="http://schemas.microsoft.com/office/drawing/2010/main" w="9525">
                 <a:solidFill>
                   <a:schemeClr val="tx1"/>
@@ -3741,14 +3741,14 @@
             <a:noFill/>
           </a:ln>
           <a:extLst>
-            <a:ext uri="{909E8E84-426E-40DD-AFC4-6F175D3DCCD1}">
+            <a:ext uri="{909E8E84-426E-40dd-AFC4-6F175D3DCCD1}">
               <a14:hiddenFill xmlns:a14="http://schemas.microsoft.com/office/drawing/2010/main">
                 <a:solidFill>
                   <a:schemeClr val="accent1"/>
                 </a:solidFill>
               </a14:hiddenFill>
             </a:ext>
-            <a:ext uri="{91240B29-F687-4F45-9708-019B960494DF}">
+            <a:ext uri="{91240B29-F687-4f45-9708-019B960494DF}">
               <a14:hiddenLine xmlns:a14="http://schemas.microsoft.com/office/drawing/2010/main" w="9525">
                 <a:solidFill>
                   <a:schemeClr val="tx1"/>
@@ -3777,7 +3777,7 @@
             <a:fld id="{1438AF4A-0EA4-419B-A3A6-81B7546F7C08}" type="slidenum">
               <a:rPr lang="en-US"/>
               <a:pPr/>
-              <a:t>‹N°›</a:t>
+              <a:t>‹#›</a:t>
             </a:fld>
             <a:endParaRPr lang="en-US"/>
           </a:p>
@@ -4318,7 +4318,7 @@
           <p:cNvPr id="3" name="Espace réservé du contenu 2">
             <a:extLst>
               <a:ext uri="{FF2B5EF4-FFF2-40B4-BE49-F238E27FC236}">
-                <a16:creationId xmlns:a16="http://schemas.microsoft.com/office/drawing/2014/main" id="{64B9D26E-4A04-4CD3-8D65-59D2C38CE5B4}"/>
+                <a16:creationId xmlns="" xmlns:a16="http://schemas.microsoft.com/office/drawing/2014/main" id="{64B9D26E-4A04-4CD3-8D65-59D2C38CE5B4}"/>
               </a:ext>
             </a:extLst>
           </p:cNvPr>
@@ -4463,20 +4463,20 @@
           <a:p>
             <a:pPr lvl="1"/>
             <a:r>
-              <a:rPr lang="fr-CH" sz="1600" dirty="0"/>
-              <a:t>Avance</a:t>
+              <a:rPr lang="en-US" sz="1600" dirty="0" smtClean="0"/>
+              <a:t>V</a:t>
+            </a:r>
+            <a:r>
+              <a:rPr lang="fr-CH" sz="1600" dirty="0" smtClean="0"/>
+              <a:t>itesse variable</a:t>
+            </a:r>
+            <a:r>
+              <a:rPr lang="en-US" sz="1600" dirty="0" smtClean="0"/>
+              <a:t>, zoom, </a:t>
             </a:r>
             <a:r>
               <a:rPr lang="en-US" sz="1600" dirty="0"/>
-              <a:t> rapide, retour </a:t>
-            </a:r>
-            <a:r>
-              <a:rPr lang="fr-CH" sz="1600" dirty="0"/>
-              <a:t>rapide</a:t>
-            </a:r>
-            <a:r>
-              <a:rPr lang="en-US" sz="1600" dirty="0"/>
-              <a:t>, lecture </a:t>
+              <a:t>lecture </a:t>
             </a:r>
             <a:r>
               <a:rPr lang="fr-CH" sz="1600" dirty="0"/>
@@ -4560,40 +4560,76 @@
               <a:t> </a:t>
             </a:r>
             <a:r>
-              <a:rPr lang="en-US" dirty="0" err="1"/>
-              <a:t>d’une</a:t>
+              <a:rPr lang="en-US" dirty="0" smtClean="0"/>
+              <a:t>d’un </a:t>
+            </a:r>
+            <a:r>
+              <a:rPr lang="en-US" dirty="0" err="1" smtClean="0"/>
+              <a:t>fichier</a:t>
+            </a:r>
+            <a:r>
+              <a:rPr lang="en-US" dirty="0" smtClean="0"/>
+              <a:t> XML pour </a:t>
             </a:r>
             <a:r>
               <a:rPr lang="en-US" dirty="0"/>
+              <a:t>stocker </a:t>
+            </a:r>
+            <a:r>
+              <a:rPr lang="en-US" dirty="0" smtClean="0"/>
+              <a:t>les </a:t>
+            </a:r>
+            <a:r>
+              <a:rPr lang="en-US" dirty="0" err="1" smtClean="0"/>
+              <a:t>informations</a:t>
+            </a:r>
+            <a:r>
+              <a:rPr lang="en-US" dirty="0" smtClean="0"/>
               <a:t> </a:t>
             </a:r>
             <a:r>
-              <a:rPr lang="en-US" dirty="0" err="1"/>
-              <a:t>bibliotheque</a:t>
+              <a:rPr lang="en-US" dirty="0" err="1" smtClean="0"/>
+              <a:t>sur</a:t>
+            </a:r>
+            <a:r>
+              <a:rPr lang="en-US" dirty="0" smtClean="0"/>
+              <a:t> les </a:t>
+            </a:r>
+            <a:r>
+              <a:rPr lang="en-US" dirty="0" err="1" smtClean="0"/>
+              <a:t>musiques</a:t>
             </a:r>
             <a:r>
               <a:rPr lang="en-US" dirty="0"/>
-              <a:t> pour stocker les </a:t>
-            </a:r>
-            <a:r>
-              <a:rPr lang="en-US" dirty="0" err="1"/>
-              <a:t>musiques</a:t>
+              <a:t>,</a:t>
+            </a:r>
+            <a:r>
+              <a:rPr lang="en-US" dirty="0" smtClean="0"/>
+              <a:t> </a:t>
             </a:r>
             <a:r>
               <a:rPr lang="en-US" dirty="0"/>
-              <a:t> et les </a:t>
-            </a:r>
-            <a:r>
-              <a:rPr lang="en-US" dirty="0" err="1"/>
+              <a:t>les </a:t>
+            </a:r>
+            <a:r>
+              <a:rPr lang="en-US" dirty="0" err="1" smtClean="0"/>
               <a:t>vidéos</a:t>
             </a:r>
             <a:r>
+              <a:rPr lang="en-US" dirty="0" smtClean="0"/>
+              <a:t> et les playlists </a:t>
+            </a:r>
+            <a:r>
               <a:rPr lang="en-US" dirty="0"/>
-              <a:t> de </a:t>
-            </a:r>
-            <a:r>
-              <a:rPr lang="en-US" dirty="0" err="1"/>
+              <a:t>de </a:t>
+            </a:r>
+            <a:r>
+              <a:rPr lang="en-US" dirty="0" err="1" smtClean="0"/>
               <a:t>l’utilisateur</a:t>
+            </a:r>
+            <a:r>
+              <a:rPr lang="en-US" dirty="0" smtClean="0"/>
+              <a:t>.</a:t>
             </a:r>
             <a:endParaRPr lang="en-US" dirty="0"/>
           </a:p>
@@ -4674,12 +4710,8 @@
               <a:t>Technologies et </a:t>
             </a:r>
             <a:r>
-              <a:rPr lang="en-US" dirty="0" err="1"/>
-              <a:t>langages</a:t>
-            </a:r>
-            <a:r>
-              <a:rPr lang="en-US" dirty="0"/>
-              <a:t> </a:t>
+              <a:rPr lang="en-US" dirty="0" smtClean="0"/>
+              <a:t>languages </a:t>
             </a:r>
             <a:r>
               <a:rPr lang="en-US" dirty="0" err="1"/>
@@ -4720,8 +4752,12 @@
               <a:t> : </a:t>
             </a:r>
             <a:r>
+              <a:rPr lang="en-US" sz="1700" dirty="0" smtClean="0"/>
+              <a:t>Déjà </a:t>
+            </a:r>
+            <a:r>
               <a:rPr lang="en-US" sz="1700" dirty="0" err="1"/>
-              <a:t>Déja</a:t>
+              <a:t>installé</a:t>
             </a:r>
             <a:r>
               <a:rPr lang="en-US" sz="1700" dirty="0"/>
@@ -4729,14 +4765,6 @@
             </a:r>
             <a:r>
               <a:rPr lang="en-US" sz="1700" dirty="0" err="1"/>
-              <a:t>installé</a:t>
-            </a:r>
-            <a:r>
-              <a:rPr lang="en-US" sz="1700" dirty="0"/>
-              <a:t> </a:t>
-            </a:r>
-            <a:r>
-              <a:rPr lang="en-US" sz="1700" dirty="0" err="1"/>
               <a:t>nativement</a:t>
             </a:r>
             <a:r>
@@ -4776,16 +4804,20 @@
               <a:t>, </a:t>
             </a:r>
             <a:r>
-              <a:rPr lang="en-US" sz="1700" dirty="0" err="1"/>
-              <a:t>supporte</a:t>
+              <a:rPr lang="en-US" sz="1700" dirty="0" smtClean="0"/>
+              <a:t>support </a:t>
             </a:r>
             <a:r>
               <a:rPr lang="en-US" sz="1700" dirty="0"/>
-              <a:t> des formats </a:t>
-            </a:r>
-            <a:r>
-              <a:rPr lang="en-US" sz="1700" dirty="0" err="1"/>
+              <a:t>des formats </a:t>
+            </a:r>
+            <a:r>
+              <a:rPr lang="en-US" sz="1700" dirty="0" err="1" smtClean="0"/>
               <a:t>récents</a:t>
+            </a:r>
+            <a:r>
+              <a:rPr lang="en-US" sz="1700" dirty="0" smtClean="0"/>
+              <a:t>.</a:t>
             </a:r>
             <a:endParaRPr lang="en-US" sz="1700" dirty="0"/>
           </a:p>
@@ -4929,28 +4961,123 @@
           <a:p>
             <a:pPr lvl="1"/>
             <a:r>
+              <a:rPr lang="en-US" sz="1700" dirty="0" err="1" smtClean="0"/>
+              <a:t>Avantages</a:t>
+            </a:r>
+            <a:r>
+              <a:rPr lang="en-US" sz="1700" dirty="0" smtClean="0"/>
+              <a:t> </a:t>
+            </a:r>
+            <a:r>
+              <a:rPr lang="en-US" sz="1700" dirty="0"/>
+              <a:t>: Rapide </a:t>
+            </a:r>
+            <a:r>
+              <a:rPr lang="en-US" sz="1700" dirty="0" err="1"/>
+              <a:t>d’accès</a:t>
+            </a:r>
+            <a:r>
+              <a:rPr lang="en-US" sz="1700" dirty="0"/>
+              <a:t>, </a:t>
+            </a:r>
+            <a:r>
+              <a:rPr lang="en-US" sz="1700" dirty="0" smtClean="0"/>
+              <a:t>simple </a:t>
+            </a:r>
+            <a:r>
+              <a:rPr lang="en-US" sz="1700" dirty="0" err="1" smtClean="0"/>
+              <a:t>à</a:t>
+            </a:r>
+            <a:r>
+              <a:rPr lang="en-US" sz="1700" dirty="0" smtClean="0"/>
+              <a:t> </a:t>
+            </a:r>
+            <a:r>
+              <a:rPr lang="en-US" sz="1700" dirty="0" err="1" smtClean="0"/>
+              <a:t>utiliser</a:t>
+            </a:r>
+            <a:r>
+              <a:rPr lang="en-US" sz="1700" dirty="0" smtClean="0"/>
+              <a:t> </a:t>
+            </a:r>
+            <a:r>
+              <a:rPr lang="en-US" sz="1700" dirty="0"/>
+              <a:t>pour </a:t>
+            </a:r>
+            <a:r>
+              <a:rPr lang="en-US" sz="1700" dirty="0" err="1"/>
+              <a:t>maintenir</a:t>
+            </a:r>
+            <a:r>
+              <a:rPr lang="en-US" sz="1700" dirty="0"/>
+              <a:t> la </a:t>
+            </a:r>
+            <a:r>
+              <a:rPr lang="en-US" sz="1700" dirty="0" err="1" smtClean="0"/>
+              <a:t>bibliothèque</a:t>
+            </a:r>
+            <a:r>
+              <a:rPr lang="en-US" sz="1700" dirty="0"/>
+              <a:t>, </a:t>
+            </a:r>
+            <a:r>
+              <a:rPr lang="en-US" sz="1700" dirty="0" smtClean="0"/>
+              <a:t>vu </a:t>
+            </a:r>
+            <a:r>
+              <a:rPr lang="en-US" sz="1700" dirty="0" err="1"/>
+              <a:t>dans</a:t>
+            </a:r>
+            <a:r>
+              <a:rPr lang="en-US" sz="1700" dirty="0"/>
+              <a:t> le cadre du </a:t>
+            </a:r>
+            <a:r>
+              <a:rPr lang="en-US" sz="1700" dirty="0" err="1"/>
+              <a:t>cours</a:t>
+            </a:r>
+            <a:r>
+              <a:rPr lang="en-US" sz="1700" dirty="0"/>
+              <a:t> SER.</a:t>
+            </a:r>
+          </a:p>
+          <a:p>
+            <a:pPr lvl="1"/>
+            <a:r>
+              <a:rPr lang="en-US" sz="1700" dirty="0" err="1"/>
+              <a:t>Inconvénients</a:t>
+            </a:r>
+            <a:r>
+              <a:rPr lang="en-US" sz="1700" dirty="0"/>
+              <a:t> : Ne </a:t>
+            </a:r>
+            <a:r>
+              <a:rPr lang="en-US" sz="1700" dirty="0" err="1"/>
+              <a:t>permet</a:t>
+            </a:r>
+            <a:r>
+              <a:rPr lang="en-US" sz="1700" dirty="0"/>
+              <a:t> pas de </a:t>
+            </a:r>
+            <a:r>
+              <a:rPr lang="en-US" sz="1700" dirty="0" err="1"/>
+              <a:t>personnaliser</a:t>
+            </a:r>
+            <a:r>
+              <a:rPr lang="en-US" sz="1700" dirty="0"/>
+              <a:t> le </a:t>
+            </a:r>
+            <a:r>
+              <a:rPr lang="en-US" sz="1700" dirty="0" err="1"/>
+              <a:t>lecteur</a:t>
+            </a:r>
+            <a:r>
               <a:rPr lang="en-US" sz="1700" dirty="0"/>
               <a:t> </a:t>
             </a:r>
             <a:r>
               <a:rPr lang="en-US" sz="1700" dirty="0" err="1"/>
-              <a:t>Avantages</a:t>
-            </a:r>
-            <a:r>
-              <a:rPr lang="en-US" sz="1700" dirty="0"/>
-              <a:t> : Rapide </a:t>
-            </a:r>
-            <a:r>
-              <a:rPr lang="en-US" sz="1700" dirty="0" err="1"/>
-              <a:t>d’accès</a:t>
-            </a:r>
-            <a:r>
-              <a:rPr lang="en-US" sz="1700" dirty="0"/>
-              <a:t>, </a:t>
-            </a:r>
-            <a:r>
-              <a:rPr lang="en-US" sz="1700" dirty="0" err="1"/>
-              <a:t>simplicité</a:t>
+              <a:t>comme</a:t>
             </a:r>
             <a:r>
               <a:rPr lang="en-US" sz="1700" dirty="0"/>
@@ -4958,31 +5085,7 @@
             </a:r>
             <a:r>
               <a:rPr lang="en-US" sz="1700" dirty="0" err="1"/>
-              <a:t>d’utilisation</a:t>
-            </a:r>
-            <a:r>
-              <a:rPr lang="en-US" sz="1700" dirty="0"/>
-              <a:t> et pour </a:t>
-            </a:r>
-            <a:r>
-              <a:rPr lang="en-US" sz="1700" dirty="0" err="1"/>
-              <a:t>maintenir</a:t>
-            </a:r>
-            <a:r>
-              <a:rPr lang="en-US" sz="1700" dirty="0"/>
-              <a:t> la </a:t>
-            </a:r>
-            <a:r>
-              <a:rPr lang="en-US" sz="1700" dirty="0" err="1"/>
-              <a:t>bibliotheque</a:t>
-            </a:r>
-            <a:r>
-              <a:rPr lang="en-US" sz="1700" dirty="0"/>
-              <a:t>, </a:t>
-            </a:r>
-            <a:r>
-              <a:rPr lang="en-US" sz="1700" dirty="0" err="1"/>
-              <a:t>vue</a:t>
+              <a:t>l’idée</a:t>
             </a:r>
             <a:r>
               <a:rPr lang="en-US" sz="1700" dirty="0"/>
@@ -4990,86 +5093,27 @@
             </a:r>
             <a:r>
               <a:rPr lang="en-US" sz="1700" dirty="0" err="1"/>
-              <a:t>dans</a:t>
+              <a:t>é</a:t>
+            </a:r>
+            <a:r>
+              <a:rPr lang="en-US" sz="1700" dirty="0" err="1" smtClean="0"/>
+              <a:t>tait</a:t>
+            </a:r>
+            <a:r>
+              <a:rPr lang="en-US" sz="1700" dirty="0" smtClean="0"/>
+              <a:t> </a:t>
+            </a:r>
+            <a:r>
+              <a:rPr lang="en-US" sz="1700" dirty="0" err="1" smtClean="0"/>
+              <a:t>suggérée</a:t>
+            </a:r>
+            <a:r>
+              <a:rPr lang="en-US" sz="1700" dirty="0" smtClean="0"/>
+              <a:t> </a:t>
             </a:r>
             <a:r>
               <a:rPr lang="en-US" sz="1700" dirty="0"/>
-              <a:t> le cadre du </a:t>
-            </a:r>
-            <a:r>
-              <a:rPr lang="en-US" sz="1700" dirty="0" err="1"/>
-              <a:t>cours</a:t>
-            </a:r>
-            <a:r>
-              <a:rPr lang="en-US" sz="1700" dirty="0"/>
-              <a:t> SER.</a:t>
-            </a:r>
-          </a:p>
-          <a:p>
-            <a:pPr lvl="1"/>
-            <a:r>
-              <a:rPr lang="en-US" sz="1700" dirty="0" err="1"/>
-              <a:t>Inconvénients</a:t>
-            </a:r>
-            <a:r>
-              <a:rPr lang="en-US" sz="1700" dirty="0"/>
-              <a:t> : Ne </a:t>
-            </a:r>
-            <a:r>
-              <a:rPr lang="en-US" sz="1700" dirty="0" err="1"/>
-              <a:t>permet</a:t>
-            </a:r>
-            <a:r>
-              <a:rPr lang="en-US" sz="1700" dirty="0"/>
-              <a:t> pas de </a:t>
-            </a:r>
-            <a:r>
-              <a:rPr lang="en-US" sz="1700" dirty="0" err="1"/>
-              <a:t>personnaliser</a:t>
-            </a:r>
-            <a:r>
-              <a:rPr lang="en-US" sz="1700" dirty="0"/>
-              <a:t> le </a:t>
-            </a:r>
-            <a:r>
-              <a:rPr lang="en-US" sz="1700" dirty="0" err="1"/>
-              <a:t>lecteur</a:t>
-            </a:r>
-            <a:r>
-              <a:rPr lang="en-US" sz="1700" dirty="0"/>
-              <a:t> </a:t>
-            </a:r>
-            <a:r>
-              <a:rPr lang="en-US" sz="1700" dirty="0" err="1"/>
-              <a:t>comme</a:t>
-            </a:r>
-            <a:r>
-              <a:rPr lang="en-US" sz="1700" dirty="0"/>
-              <a:t> </a:t>
-            </a:r>
-            <a:r>
-              <a:rPr lang="en-US" sz="1700" dirty="0" err="1"/>
-              <a:t>l’idée</a:t>
-            </a:r>
-            <a:r>
-              <a:rPr lang="en-US" sz="1700" dirty="0"/>
-              <a:t> </a:t>
-            </a:r>
-            <a:r>
-              <a:rPr lang="en-US" sz="1700" dirty="0" err="1"/>
-              <a:t>etait</a:t>
-            </a:r>
-            <a:r>
-              <a:rPr lang="en-US" sz="1700" dirty="0"/>
-              <a:t> </a:t>
-            </a:r>
-            <a:r>
-              <a:rPr lang="en-US" sz="1700" dirty="0" err="1"/>
-              <a:t>suggérer</a:t>
-            </a:r>
-            <a:r>
-              <a:rPr lang="en-US" sz="1700" dirty="0"/>
-              <a:t> au début du </a:t>
+              <a:t>au début du </a:t>
             </a:r>
             <a:r>
               <a:rPr lang="en-US" sz="1700" dirty="0" err="1"/>
@@ -5311,14 +5355,14 @@
           </a:ln>
           <a:effectLst/>
           <a:extLst>
-            <a:ext uri="{909E8E84-426E-40DD-AFC4-6F175D3DCCD1}">
+            <a:ext uri="{909E8E84-426E-40dd-AFC4-6F175D3DCCD1}">
               <a14:hiddenFill xmlns:a14="http://schemas.microsoft.com/office/drawing/2010/main">
                 <a:solidFill>
                   <a:schemeClr val="accent1"/>
                 </a:solidFill>
               </a14:hiddenFill>
             </a:ext>
-            <a:ext uri="{91240B29-F687-4F45-9708-019B960494DF}">
+            <a:ext uri="{91240B29-F687-4f45-9708-019B960494DF}">
               <a14:hiddenLine xmlns:a14="http://schemas.microsoft.com/office/drawing/2010/main" w="12700" cap="sq">
                 <a:solidFill>
                   <a:schemeClr val="tx1"/>
@@ -5328,7 +5372,7 @@
                 <a:tailEnd type="none" w="sm" len="sm"/>
               </a14:hiddenLine>
             </a:ext>
-            <a:ext uri="{AF507438-7753-43E0-B8FC-AC1667EBCBE1}">
+            <a:ext uri="{AF507438-7753-43e0-B8FC-AC1667EBCBE1}">
               <a14:hiddenEffects xmlns:a14="http://schemas.microsoft.com/office/drawing/2010/main">
                 <a:effectLst>
                   <a:outerShdw dist="35921" dir="2700000" algn="ctr" rotWithShape="0">
@@ -5474,15 +5518,19 @@
               <a:t> pas </a:t>
             </a:r>
             <a:r>
-              <a:rPr lang="en-US" sz="1600" dirty="0" err="1"/>
-              <a:t>commencé</a:t>
+              <a:rPr lang="en-US" sz="1600" dirty="0" err="1" smtClean="0"/>
+              <a:t>commencée</a:t>
             </a:r>
             <a:endParaRPr lang="en-US" sz="1600" dirty="0"/>
           </a:p>
           <a:p>
             <a:r>
+              <a:rPr lang="en-US" dirty="0" smtClean="0"/>
+              <a:t>Causes </a:t>
+            </a:r>
+            <a:r>
               <a:rPr lang="en-US" dirty="0"/>
-              <a:t>Cause :</a:t>
+              <a:t>:</a:t>
             </a:r>
           </a:p>
           <a:p>
@@ -5501,7 +5549,19 @@
             </a:r>
             <a:r>
               <a:rPr lang="en-US" sz="1600" dirty="0"/>
-              <a:t> au depart du </a:t>
+              <a:t> au </a:t>
+            </a:r>
+            <a:r>
+              <a:rPr lang="en-US" sz="1600" dirty="0" err="1" smtClean="0"/>
+              <a:t>départ</a:t>
+            </a:r>
+            <a:r>
+              <a:rPr lang="en-US" sz="1600" dirty="0" smtClean="0"/>
+              <a:t> </a:t>
+            </a:r>
+            <a:r>
+              <a:rPr lang="en-US" sz="1600" dirty="0"/>
+              <a:t>du </a:t>
             </a:r>
             <a:r>
               <a:rPr lang="en-US" sz="1600" dirty="0" err="1"/>
@@ -5642,8 +5702,28 @@
               <a:t>, </a:t>
             </a:r>
             <a:r>
+              <a:rPr lang="en-US" sz="1600" dirty="0" err="1" smtClean="0"/>
+              <a:t>replanification</a:t>
+            </a:r>
+            <a:r>
+              <a:rPr lang="en-US" sz="1600" dirty="0" smtClean="0"/>
+              <a:t> </a:t>
+            </a:r>
+            <a:r>
+              <a:rPr lang="en-US" sz="1600" dirty="0" err="1" smtClean="0"/>
+              <a:t>effectuée</a:t>
+            </a:r>
+            <a:r>
+              <a:rPr lang="en-US" sz="1600" dirty="0" smtClean="0"/>
+              <a:t> </a:t>
+            </a:r>
+            <a:r>
+              <a:rPr lang="en-US" sz="1600" dirty="0"/>
+              <a:t>: </a:t>
+            </a:r>
+            <a:r>
               <a:rPr lang="en-US" sz="1600" dirty="0" err="1"/>
-              <a:t>replannification</a:t>
+              <a:t>nouvelles</a:t>
             </a:r>
             <a:r>
               <a:rPr lang="en-US" sz="1600" dirty="0"/>
@@ -5651,15 +5731,30 @@
             </a:r>
             <a:r>
               <a:rPr lang="en-US" sz="1600" dirty="0" err="1"/>
-              <a:t>effectués</a:t>
+              <a:t>itérations</a:t>
             </a:r>
             <a:r>
               <a:rPr lang="en-US" sz="1600" dirty="0"/>
-              <a:t> : </a:t>
+              <a:t>.</a:t>
+            </a:r>
+          </a:p>
+          <a:p>
+            <a:pPr lvl="1"/>
+            <a:r>
+              <a:rPr lang="en-US" sz="1600" dirty="0"/>
+              <a:t>Il sera possible de </a:t>
             </a:r>
             <a:r>
               <a:rPr lang="en-US" sz="1600" dirty="0" err="1"/>
-              <a:t>nouvelles</a:t>
+              <a:t>rendre</a:t>
+            </a:r>
+            <a:r>
+              <a:rPr lang="en-US" sz="1600" dirty="0"/>
+              <a:t> le </a:t>
+            </a:r>
+            <a:r>
+              <a:rPr lang="en-US" sz="1600" dirty="0" err="1"/>
+              <a:t>projet</a:t>
             </a:r>
             <a:r>
               <a:rPr lang="en-US" sz="1600" dirty="0"/>
@@ -5667,46 +5762,31 @@
             </a:r>
             <a:r>
               <a:rPr lang="en-US" sz="1600" dirty="0" err="1"/>
-              <a:t>itérations</a:t>
+              <a:t>dans</a:t>
             </a:r>
             <a:r>
               <a:rPr lang="en-US" sz="1600" dirty="0"/>
-              <a:t>.</a:t>
-            </a:r>
-          </a:p>
-          <a:p>
-            <a:pPr lvl="1"/>
-            <a:r>
-              <a:rPr lang="en-US" sz="1600" dirty="0"/>
-              <a:t>Il sera possible de </a:t>
+              <a:t> les temps sous reserve </a:t>
             </a:r>
             <a:r>
               <a:rPr lang="en-US" sz="1600" dirty="0" err="1"/>
-              <a:t>rendre</a:t>
-            </a:r>
-            <a:r>
-              <a:rPr lang="en-US" sz="1600" dirty="0"/>
-              <a:t> le </a:t>
-            </a:r>
-            <a:r>
-              <a:rPr lang="en-US" sz="1600" dirty="0" err="1"/>
-              <a:t>projet</a:t>
+              <a:t>qu’aucun</a:t>
             </a:r>
             <a:r>
               <a:rPr lang="en-US" sz="1600" dirty="0"/>
               <a:t> </a:t>
             </a:r>
             <a:r>
+              <a:rPr lang="en-US" sz="1600" dirty="0" err="1" smtClean="0"/>
+              <a:t>autre</a:t>
+            </a:r>
+            <a:r>
+              <a:rPr lang="en-US" sz="1600" dirty="0" smtClean="0"/>
+              <a:t> </a:t>
+            </a:r>
+            <a:r>
               <a:rPr lang="en-US" sz="1600" dirty="0" err="1"/>
-              <a:t>dans</a:t>
-            </a:r>
-            <a:r>
-              <a:rPr lang="en-US" sz="1600" dirty="0"/>
-              <a:t> les temps sous reserve </a:t>
-            </a:r>
-            <a:r>
-              <a:rPr lang="en-US" sz="1600" dirty="0" err="1"/>
-              <a:t>qu’aucun</a:t>
+              <a:t>problème</a:t>
             </a:r>
             <a:r>
               <a:rPr lang="en-US" sz="1600" dirty="0"/>
@@ -5714,36 +5794,21 @@
             </a:r>
             <a:r>
               <a:rPr lang="en-US" sz="1600" dirty="0" err="1"/>
-              <a:t>n’autre</a:t>
+              <a:t>majeur</a:t>
             </a:r>
             <a:r>
               <a:rPr lang="en-US" sz="1600" dirty="0"/>
               <a:t> </a:t>
             </a:r>
             <a:r>
-              <a:rPr lang="en-US" sz="1600" dirty="0" err="1"/>
-              <a:t>problème</a:t>
-            </a:r>
-            <a:r>
-              <a:rPr lang="en-US" sz="1600" dirty="0"/>
-              <a:t> </a:t>
-            </a:r>
-            <a:r>
-              <a:rPr lang="en-US" sz="1600" dirty="0" err="1"/>
-              <a:t>majeur</a:t>
-            </a:r>
-            <a:r>
-              <a:rPr lang="en-US" sz="1600" dirty="0"/>
-              <a:t> </a:t>
-            </a:r>
-            <a:r>
-              <a:rPr lang="en-US" sz="1600" dirty="0" err="1"/>
-              <a:t>n’apparaissent</a:t>
-            </a:r>
-            <a:r>
-              <a:rPr lang="en-US" sz="1600" dirty="0"/>
+              <a:rPr lang="en-US" sz="1600" dirty="0" err="1" smtClean="0"/>
+              <a:t>n’apparaisse</a:t>
+            </a:r>
+            <a:r>
+              <a:rPr lang="en-US" sz="1600" dirty="0" smtClean="0"/>
               <a:t>…</a:t>
             </a:r>
+            <a:endParaRPr lang="en-US" sz="1600" dirty="0"/>
           </a:p>
         </p:txBody>
       </p:sp>
@@ -5782,7 +5847,7 @@
           <p:cNvPr id="2" name="Titre 1">
             <a:extLst>
               <a:ext uri="{FF2B5EF4-FFF2-40B4-BE49-F238E27FC236}">
-                <a16:creationId xmlns:a16="http://schemas.microsoft.com/office/drawing/2014/main" id="{385D8F2F-B0C0-4893-B1EA-5517B6CFF217}"/>
+                <a16:creationId xmlns="" xmlns:a16="http://schemas.microsoft.com/office/drawing/2014/main" id="{385D8F2F-B0C0-4893-B1EA-5517B6CFF217}"/>
               </a:ext>
             </a:extLst>
           </p:cNvPr>
@@ -5810,7 +5875,7 @@
           <p:cNvPr id="3" name="Espace réservé du contenu 2">
             <a:extLst>
               <a:ext uri="{FF2B5EF4-FFF2-40B4-BE49-F238E27FC236}">
-                <a16:creationId xmlns:a16="http://schemas.microsoft.com/office/drawing/2014/main" id="{CB7CEF96-F08F-465A-8DEE-258E69953B64}"/>
+                <a16:creationId xmlns="" xmlns:a16="http://schemas.microsoft.com/office/drawing/2014/main" id="{CB7CEF96-F08F-465A-8DEE-258E69953B64}"/>
               </a:ext>
             </a:extLst>
           </p:cNvPr>
@@ -6095,7 +6160,7 @@
         </a:ln>
         <a:effectLst/>
         <a:extLst>
-          <a:ext uri="{AF507438-7753-43E0-B8FC-AC1667EBCBE1}">
+          <a:ext uri="{AF507438-7753-43e0-B8FC-AC1667EBCBE1}">
             <a14:hiddenEffects xmlns:a14="http://schemas.microsoft.com/office/drawing/2010/main">
               <a:effectLst>
                 <a:outerShdw dist="35921" dir="2700000" algn="ctr" rotWithShape="0">
@@ -6168,7 +6233,7 @@
         </a:ln>
         <a:effectLst/>
         <a:extLst>
-          <a:ext uri="{AF507438-7753-43E0-B8FC-AC1667EBCBE1}">
+          <a:ext uri="{AF507438-7753-43e0-B8FC-AC1667EBCBE1}">
             <a14:hiddenEffects xmlns:a14="http://schemas.microsoft.com/office/drawing/2010/main">
               <a:effectLst>
                 <a:outerShdw dist="35921" dir="2700000" algn="ctr" rotWithShape="0">

--- a/Projet OMP.pptx
+++ b/Projet OMP.pptx
@@ -12,14 +12,14 @@
   </p:handoutMasterIdLst>
   <p:sldIdLst>
     <p:sldId id="256" r:id="rId3"/>
-    <p:sldId id="257" r:id="rId4"/>
-    <p:sldId id="258" r:id="rId5"/>
-    <p:sldId id="261" r:id="rId6"/>
-    <p:sldId id="269" r:id="rId7"/>
-    <p:sldId id="264" r:id="rId8"/>
-    <p:sldId id="265" r:id="rId9"/>
-    <p:sldId id="268" r:id="rId10"/>
-    <p:sldId id="267" r:id="rId11"/>
+    <p:sldId id="270" r:id="rId4"/>
+    <p:sldId id="257" r:id="rId5"/>
+    <p:sldId id="258" r:id="rId6"/>
+    <p:sldId id="261" r:id="rId7"/>
+    <p:sldId id="269" r:id="rId8"/>
+    <p:sldId id="264" r:id="rId9"/>
+    <p:sldId id="265" r:id="rId10"/>
+    <p:sldId id="268" r:id="rId11"/>
     <p:sldId id="266" r:id="rId12"/>
   </p:sldIdLst>
   <p:sldSz cx="9144000" cy="6858000" type="screen4x3"/>
@@ -151,7 +151,7 @@
   </p:defaultTextStyle>
   <p:extLst>
     <p:ext uri="{EFAFB233-063F-42B5-8137-9DF3F51BA10A}">
-      <p15:sldGuideLst xmlns="" xmlns:p15="http://schemas.microsoft.com/office/powerpoint/2012/main">
+      <p15:sldGuideLst xmlns:p15="http://schemas.microsoft.com/office/powerpoint/2012/main">
         <p15:guide id="1" orient="horz" pos="2160">
           <p15:clr>
             <a:srgbClr val="A4A3A4"/>
@@ -218,14 +218,14 @@
           <a:effectLst/>
           <a:extLst>
             <a:ext uri="{909E8E84-426E-40dd-AFC4-6F175D3DCCD1}">
-              <a14:hiddenFill xmlns:a14="http://schemas.microsoft.com/office/drawing/2010/main">
+              <a14:hiddenFill xmlns:a14="http://schemas.microsoft.com/office/drawing/2010/main" xmlns="">
                 <a:solidFill>
                   <a:schemeClr val="accent1"/>
                 </a:solidFill>
               </a14:hiddenFill>
             </a:ext>
             <a:ext uri="{91240B29-F687-4f45-9708-019B960494DF}">
-              <a14:hiddenLine xmlns:a14="http://schemas.microsoft.com/office/drawing/2010/main" w="12700" cap="sq">
+              <a14:hiddenLine xmlns:a14="http://schemas.microsoft.com/office/drawing/2010/main" xmlns="" w="12700" cap="sq">
                 <a:solidFill>
                   <a:schemeClr val="tx1"/>
                 </a:solidFill>
@@ -235,7 +235,7 @@
               </a14:hiddenLine>
             </a:ext>
             <a:ext uri="{AF507438-7753-43e0-B8FC-AC1667EBCBE1}">
-              <a14:hiddenEffects xmlns:a14="http://schemas.microsoft.com/office/drawing/2010/main">
+              <a14:hiddenEffects xmlns:a14="http://schemas.microsoft.com/office/drawing/2010/main" xmlns="">
                 <a:effectLst>
                   <a:outerShdw dist="35921" dir="2700000" algn="ctr" rotWithShape="0">
                     <a:schemeClr val="bg2"/>
@@ -286,14 +286,14 @@
           <a:effectLst/>
           <a:extLst>
             <a:ext uri="{909E8E84-426E-40dd-AFC4-6F175D3DCCD1}">
-              <a14:hiddenFill xmlns:a14="http://schemas.microsoft.com/office/drawing/2010/main">
+              <a14:hiddenFill xmlns:a14="http://schemas.microsoft.com/office/drawing/2010/main" xmlns="">
                 <a:solidFill>
                   <a:schemeClr val="accent1"/>
                 </a:solidFill>
               </a14:hiddenFill>
             </a:ext>
             <a:ext uri="{91240B29-F687-4f45-9708-019B960494DF}">
-              <a14:hiddenLine xmlns:a14="http://schemas.microsoft.com/office/drawing/2010/main" w="12700" cap="sq">
+              <a14:hiddenLine xmlns:a14="http://schemas.microsoft.com/office/drawing/2010/main" xmlns="" w="12700" cap="sq">
                 <a:solidFill>
                   <a:schemeClr val="tx1"/>
                 </a:solidFill>
@@ -303,7 +303,7 @@
               </a14:hiddenLine>
             </a:ext>
             <a:ext uri="{AF507438-7753-43e0-B8FC-AC1667EBCBE1}">
-              <a14:hiddenEffects xmlns:a14="http://schemas.microsoft.com/office/drawing/2010/main">
+              <a14:hiddenEffects xmlns:a14="http://schemas.microsoft.com/office/drawing/2010/main" xmlns="">
                 <a:effectLst>
                   <a:outerShdw dist="35921" dir="2700000" algn="ctr" rotWithShape="0">
                     <a:schemeClr val="bg2"/>
@@ -354,14 +354,14 @@
           <a:effectLst/>
           <a:extLst>
             <a:ext uri="{909E8E84-426E-40dd-AFC4-6F175D3DCCD1}">
-              <a14:hiddenFill xmlns:a14="http://schemas.microsoft.com/office/drawing/2010/main">
+              <a14:hiddenFill xmlns:a14="http://schemas.microsoft.com/office/drawing/2010/main" xmlns="">
                 <a:solidFill>
                   <a:schemeClr val="accent1"/>
                 </a:solidFill>
               </a14:hiddenFill>
             </a:ext>
             <a:ext uri="{91240B29-F687-4f45-9708-019B960494DF}">
-              <a14:hiddenLine xmlns:a14="http://schemas.microsoft.com/office/drawing/2010/main" w="12700" cap="sq">
+              <a14:hiddenLine xmlns:a14="http://schemas.microsoft.com/office/drawing/2010/main" xmlns="" w="12700" cap="sq">
                 <a:solidFill>
                   <a:schemeClr val="tx1"/>
                 </a:solidFill>
@@ -371,7 +371,7 @@
               </a14:hiddenLine>
             </a:ext>
             <a:ext uri="{AF507438-7753-43e0-B8FC-AC1667EBCBE1}">
-              <a14:hiddenEffects xmlns:a14="http://schemas.microsoft.com/office/drawing/2010/main">
+              <a14:hiddenEffects xmlns:a14="http://schemas.microsoft.com/office/drawing/2010/main" xmlns="">
                 <a:effectLst>
                   <a:outerShdw dist="35921" dir="2700000" algn="ctr" rotWithShape="0">
                     <a:schemeClr val="bg2"/>
@@ -422,14 +422,14 @@
           <a:effectLst/>
           <a:extLst>
             <a:ext uri="{909E8E84-426E-40dd-AFC4-6F175D3DCCD1}">
-              <a14:hiddenFill xmlns:a14="http://schemas.microsoft.com/office/drawing/2010/main">
+              <a14:hiddenFill xmlns:a14="http://schemas.microsoft.com/office/drawing/2010/main" xmlns="">
                 <a:solidFill>
                   <a:schemeClr val="accent1"/>
                 </a:solidFill>
               </a14:hiddenFill>
             </a:ext>
             <a:ext uri="{91240B29-F687-4f45-9708-019B960494DF}">
-              <a14:hiddenLine xmlns:a14="http://schemas.microsoft.com/office/drawing/2010/main" w="12700" cap="sq">
+              <a14:hiddenLine xmlns:a14="http://schemas.microsoft.com/office/drawing/2010/main" xmlns="" w="12700" cap="sq">
                 <a:solidFill>
                   <a:schemeClr val="tx1"/>
                 </a:solidFill>
@@ -439,7 +439,7 @@
               </a14:hiddenLine>
             </a:ext>
             <a:ext uri="{AF507438-7753-43e0-B8FC-AC1667EBCBE1}">
-              <a14:hiddenEffects xmlns:a14="http://schemas.microsoft.com/office/drawing/2010/main">
+              <a14:hiddenEffects xmlns:a14="http://schemas.microsoft.com/office/drawing/2010/main" xmlns="">
                 <a:effectLst>
                   <a:outerShdw dist="35921" dir="2700000" algn="ctr" rotWithShape="0">
                     <a:schemeClr val="bg2"/>
@@ -464,7 +464,7 @@
             <a:fld id="{4B428B36-C543-42D9-BBA6-37F84FDFF3D3}" type="slidenum">
               <a:rPr lang="en-US"/>
               <a:pPr/>
-              <a:t>‹#›</a:t>
+              <a:t>‹N°›</a:t>
             </a:fld>
             <a:endParaRPr lang="en-US"/>
           </a:p>
@@ -530,14 +530,14 @@
           </a:ln>
           <a:extLst>
             <a:ext uri="{909E8E84-426E-40dd-AFC4-6F175D3DCCD1}">
-              <a14:hiddenFill xmlns:a14="http://schemas.microsoft.com/office/drawing/2010/main">
+              <a14:hiddenFill xmlns:a14="http://schemas.microsoft.com/office/drawing/2010/main" xmlns="">
                 <a:solidFill>
                   <a:schemeClr val="accent1"/>
                 </a:solidFill>
               </a14:hiddenFill>
             </a:ext>
             <a:ext uri="{91240B29-F687-4f45-9708-019B960494DF}">
-              <a14:hiddenLine xmlns:a14="http://schemas.microsoft.com/office/drawing/2010/main" w="12700" cap="sq">
+              <a14:hiddenLine xmlns:a14="http://schemas.microsoft.com/office/drawing/2010/main" xmlns="" w="12700" cap="sq">
                 <a:solidFill>
                   <a:schemeClr val="tx1"/>
                 </a:solidFill>
@@ -617,14 +617,14 @@
           </a:ln>
           <a:extLst>
             <a:ext uri="{909E8E84-426E-40dd-AFC4-6F175D3DCCD1}">
-              <a14:hiddenFill xmlns:a14="http://schemas.microsoft.com/office/drawing/2010/main">
+              <a14:hiddenFill xmlns:a14="http://schemas.microsoft.com/office/drawing/2010/main" xmlns="">
                 <a:solidFill>
                   <a:schemeClr val="accent1"/>
                 </a:solidFill>
               </a14:hiddenFill>
             </a:ext>
             <a:ext uri="{91240B29-F687-4f45-9708-019B960494DF}">
-              <a14:hiddenLine xmlns:a14="http://schemas.microsoft.com/office/drawing/2010/main" w="12700" cap="sq">
+              <a14:hiddenLine xmlns:a14="http://schemas.microsoft.com/office/drawing/2010/main" xmlns="" w="12700" cap="sq">
                 <a:solidFill>
                   <a:schemeClr val="tx1"/>
                 </a:solidFill>
@@ -703,14 +703,14 @@
           </a:ln>
           <a:extLst>
             <a:ext uri="{909E8E84-426E-40dd-AFC4-6F175D3DCCD1}">
-              <a14:hiddenFill xmlns:a14="http://schemas.microsoft.com/office/drawing/2010/main">
+              <a14:hiddenFill xmlns:a14="http://schemas.microsoft.com/office/drawing/2010/main" xmlns="">
                 <a:solidFill>
                   <a:schemeClr val="accent1"/>
                 </a:solidFill>
               </a14:hiddenFill>
             </a:ext>
             <a:ext uri="{91240B29-F687-4f45-9708-019B960494DF}">
-              <a14:hiddenLine xmlns:a14="http://schemas.microsoft.com/office/drawing/2010/main" w="12700" cap="sq">
+              <a14:hiddenLine xmlns:a14="http://schemas.microsoft.com/office/drawing/2010/main" xmlns="" w="12700" cap="sq">
                 <a:solidFill>
                   <a:schemeClr val="tx1"/>
                 </a:solidFill>
@@ -761,14 +761,14 @@
           </a:ln>
           <a:extLst>
             <a:ext uri="{909E8E84-426E-40dd-AFC4-6F175D3DCCD1}">
-              <a14:hiddenFill xmlns:a14="http://schemas.microsoft.com/office/drawing/2010/main">
+              <a14:hiddenFill xmlns:a14="http://schemas.microsoft.com/office/drawing/2010/main" xmlns="">
                 <a:solidFill>
                   <a:schemeClr val="accent1"/>
                 </a:solidFill>
               </a14:hiddenFill>
             </a:ext>
             <a:ext uri="{91240B29-F687-4f45-9708-019B960494DF}">
-              <a14:hiddenLine xmlns:a14="http://schemas.microsoft.com/office/drawing/2010/main" w="12700" cap="sq">
+              <a14:hiddenLine xmlns:a14="http://schemas.microsoft.com/office/drawing/2010/main" xmlns="" w="12700" cap="sq">
                 <a:solidFill>
                   <a:schemeClr val="tx1"/>
                 </a:solidFill>
@@ -819,14 +819,14 @@
           </a:ln>
           <a:extLst>
             <a:ext uri="{909E8E84-426E-40dd-AFC4-6F175D3DCCD1}">
-              <a14:hiddenFill xmlns:a14="http://schemas.microsoft.com/office/drawing/2010/main">
+              <a14:hiddenFill xmlns:a14="http://schemas.microsoft.com/office/drawing/2010/main" xmlns="">
                 <a:solidFill>
                   <a:schemeClr val="accent1"/>
                 </a:solidFill>
               </a14:hiddenFill>
             </a:ext>
             <a:ext uri="{91240B29-F687-4f45-9708-019B960494DF}">
-              <a14:hiddenLine xmlns:a14="http://schemas.microsoft.com/office/drawing/2010/main" w="12700" cap="sq">
+              <a14:hiddenLine xmlns:a14="http://schemas.microsoft.com/office/drawing/2010/main" xmlns="" w="12700" cap="sq">
                 <a:solidFill>
                   <a:schemeClr val="tx1"/>
                 </a:solidFill>
@@ -852,7 +852,7 @@
             <a:fld id="{BD037DA4-2CD6-4F4C-9028-0512D97B2D72}" type="slidenum">
               <a:rPr lang="en-US"/>
               <a:pPr/>
-              <a:t>‹#›</a:t>
+              <a:t>‹N°›</a:t>
             </a:fld>
             <a:endParaRPr lang="en-US"/>
           </a:p>
@@ -1147,7 +1147,7 @@
             <a:fld id="{44C49CC9-731A-4B50-BDC0-650767BC6B93}" type="slidenum">
               <a:rPr lang="en-US"/>
               <a:pPr/>
-              <a:t>‹#›</a:t>
+              <a:t>‹N°›</a:t>
             </a:fld>
             <a:endParaRPr lang="en-US"/>
           </a:p>
@@ -1321,7 +1321,7 @@
             <a:fld id="{7DE8DF55-8925-4897-94A2-F3B160803136}" type="slidenum">
               <a:rPr lang="en-US"/>
               <a:pPr/>
-              <a:t>‹#›</a:t>
+              <a:t>‹N°›</a:t>
             </a:fld>
             <a:endParaRPr lang="en-US"/>
           </a:p>
@@ -1510,7 +1510,7 @@
             <a:fld id="{9D3CC660-76E2-4892-BEA7-342DC714E73F}" type="slidenum">
               <a:rPr lang="en-US"/>
               <a:pPr/>
-              <a:t>‹#›</a:t>
+              <a:t>‹N°›</a:t>
             </a:fld>
             <a:endParaRPr lang="en-US"/>
           </a:p>
@@ -1689,7 +1689,7 @@
             <a:fld id="{E6519293-D77A-4508-B13B-413E2935BF6F}" type="slidenum">
               <a:rPr lang="en-US"/>
               <a:pPr/>
-              <a:t>‹#›</a:t>
+              <a:t>‹N°›</a:t>
             </a:fld>
             <a:endParaRPr lang="en-US"/>
           </a:p>
@@ -1890,7 +1890,7 @@
             <a:fld id="{F28C84F1-2906-41DC-87CE-BBD85C957CEA}" type="slidenum">
               <a:rPr lang="en-US"/>
               <a:pPr/>
-              <a:t>‹#›</a:t>
+              <a:t>‹N°›</a:t>
             </a:fld>
             <a:endParaRPr lang="en-US"/>
           </a:p>
@@ -2187,7 +2187,7 @@
             <a:fld id="{94BA1F5B-C84C-4C05-9C4A-EEB972CEFF9E}" type="slidenum">
               <a:rPr lang="en-US"/>
               <a:pPr/>
-              <a:t>‹#›</a:t>
+              <a:t>‹N°›</a:t>
             </a:fld>
             <a:endParaRPr lang="en-US"/>
           </a:p>
@@ -2623,7 +2623,7 @@
             <a:fld id="{B38B1162-7B1C-48F4-9B38-A728E2962514}" type="slidenum">
               <a:rPr lang="en-US"/>
               <a:pPr/>
-              <a:t>‹#›</a:t>
+              <a:t>‹N°›</a:t>
             </a:fld>
             <a:endParaRPr lang="en-US"/>
           </a:p>
@@ -2750,7 +2750,7 @@
             <a:fld id="{63CBABED-E1B1-4708-8347-F0AFBF884A58}" type="slidenum">
               <a:rPr lang="en-US"/>
               <a:pPr/>
-              <a:t>‹#›</a:t>
+              <a:t>‹N°›</a:t>
             </a:fld>
             <a:endParaRPr lang="en-US"/>
           </a:p>
@@ -2854,7 +2854,7 @@
             <a:fld id="{CDD132B8-5307-4975-BBA4-A959BE328673}" type="slidenum">
               <a:rPr lang="en-US"/>
               <a:pPr/>
-              <a:t>‹#›</a:t>
+              <a:t>‹N°›</a:t>
             </a:fld>
             <a:endParaRPr lang="en-US"/>
           </a:p>
@@ -3140,7 +3140,7 @@
             <a:fld id="{9B6A9862-C00F-4E88-BDC1-9F667676BE86}" type="slidenum">
               <a:rPr lang="en-US"/>
               <a:pPr/>
-              <a:t>‹#›</a:t>
+              <a:t>‹N°›</a:t>
             </a:fld>
             <a:endParaRPr lang="en-US"/>
           </a:p>
@@ -3406,7 +3406,7 @@
             <a:fld id="{B2F01F83-8EF5-41C8-95A7-32D8C428004C}" type="slidenum">
               <a:rPr lang="en-US"/>
               <a:pPr/>
-              <a:t>‹#›</a:t>
+              <a:t>‹N°›</a:t>
             </a:fld>
             <a:endParaRPr lang="en-US"/>
           </a:p>
@@ -3478,14 +3478,14 @@
           </a:ln>
           <a:extLst>
             <a:ext uri="{909E8E84-426E-40dd-AFC4-6F175D3DCCD1}">
-              <a14:hiddenFill xmlns:a14="http://schemas.microsoft.com/office/drawing/2010/main">
+              <a14:hiddenFill xmlns:a14="http://schemas.microsoft.com/office/drawing/2010/main" xmlns="">
                 <a:solidFill>
                   <a:schemeClr val="accent1"/>
                 </a:solidFill>
               </a14:hiddenFill>
             </a:ext>
             <a:ext uri="{91240B29-F687-4f45-9708-019B960494DF}">
-              <a14:hiddenLine xmlns:a14="http://schemas.microsoft.com/office/drawing/2010/main" w="9525">
+              <a14:hiddenLine xmlns:a14="http://schemas.microsoft.com/office/drawing/2010/main" xmlns="" w="9525">
                 <a:solidFill>
                   <a:schemeClr val="tx1"/>
                 </a:solidFill>
@@ -3536,14 +3536,14 @@
           </a:ln>
           <a:extLst>
             <a:ext uri="{909E8E84-426E-40dd-AFC4-6F175D3DCCD1}">
-              <a14:hiddenFill xmlns:a14="http://schemas.microsoft.com/office/drawing/2010/main">
+              <a14:hiddenFill xmlns:a14="http://schemas.microsoft.com/office/drawing/2010/main" xmlns="">
                 <a:solidFill>
                   <a:schemeClr val="accent1"/>
                 </a:solidFill>
               </a14:hiddenFill>
             </a:ext>
             <a:ext uri="{91240B29-F687-4f45-9708-019B960494DF}">
-              <a14:hiddenLine xmlns:a14="http://schemas.microsoft.com/office/drawing/2010/main" w="9525">
+              <a14:hiddenLine xmlns:a14="http://schemas.microsoft.com/office/drawing/2010/main" xmlns="" w="9525">
                 <a:solidFill>
                   <a:schemeClr val="tx1"/>
                 </a:solidFill>
@@ -3622,14 +3622,14 @@
           </a:ln>
           <a:extLst>
             <a:ext uri="{909E8E84-426E-40dd-AFC4-6F175D3DCCD1}">
-              <a14:hiddenFill xmlns:a14="http://schemas.microsoft.com/office/drawing/2010/main">
+              <a14:hiddenFill xmlns:a14="http://schemas.microsoft.com/office/drawing/2010/main" xmlns="">
                 <a:solidFill>
                   <a:schemeClr val="accent1"/>
                 </a:solidFill>
               </a14:hiddenFill>
             </a:ext>
             <a:ext uri="{91240B29-F687-4f45-9708-019B960494DF}">
-              <a14:hiddenLine xmlns:a14="http://schemas.microsoft.com/office/drawing/2010/main" w="9525">
+              <a14:hiddenLine xmlns:a14="http://schemas.microsoft.com/office/drawing/2010/main" xmlns="" w="9525">
                 <a:solidFill>
                   <a:schemeClr val="tx1"/>
                 </a:solidFill>
@@ -3682,14 +3682,14 @@
           </a:ln>
           <a:extLst>
             <a:ext uri="{909E8E84-426E-40dd-AFC4-6F175D3DCCD1}">
-              <a14:hiddenFill xmlns:a14="http://schemas.microsoft.com/office/drawing/2010/main">
+              <a14:hiddenFill xmlns:a14="http://schemas.microsoft.com/office/drawing/2010/main" xmlns="">
                 <a:solidFill>
                   <a:schemeClr val="accent1"/>
                 </a:solidFill>
               </a14:hiddenFill>
             </a:ext>
             <a:ext uri="{91240B29-F687-4f45-9708-019B960494DF}">
-              <a14:hiddenLine xmlns:a14="http://schemas.microsoft.com/office/drawing/2010/main" w="9525">
+              <a14:hiddenLine xmlns:a14="http://schemas.microsoft.com/office/drawing/2010/main" xmlns="" w="9525">
                 <a:solidFill>
                   <a:schemeClr val="tx1"/>
                 </a:solidFill>
@@ -3742,14 +3742,14 @@
           </a:ln>
           <a:extLst>
             <a:ext uri="{909E8E84-426E-40dd-AFC4-6F175D3DCCD1}">
-              <a14:hiddenFill xmlns:a14="http://schemas.microsoft.com/office/drawing/2010/main">
+              <a14:hiddenFill xmlns:a14="http://schemas.microsoft.com/office/drawing/2010/main" xmlns="">
                 <a:solidFill>
                   <a:schemeClr val="accent1"/>
                 </a:solidFill>
               </a14:hiddenFill>
             </a:ext>
             <a:ext uri="{91240B29-F687-4f45-9708-019B960494DF}">
-              <a14:hiddenLine xmlns:a14="http://schemas.microsoft.com/office/drawing/2010/main" w="9525">
+              <a14:hiddenLine xmlns:a14="http://schemas.microsoft.com/office/drawing/2010/main" xmlns="" w="9525">
                 <a:solidFill>
                   <a:schemeClr val="tx1"/>
                 </a:solidFill>
@@ -3777,7 +3777,7 @@
             <a:fld id="{1438AF4A-0EA4-419B-A3A6-81B7546F7C08}" type="slidenum">
               <a:rPr lang="en-US"/>
               <a:pPr/>
-              <a:t>‹#›</a:t>
+              <a:t>‹N°›</a:t>
             </a:fld>
             <a:endParaRPr lang="en-US"/>
           </a:p>
@@ -4262,7 +4262,63 @@
           <a:bodyPr/>
           <a:lstStyle/>
           <a:p>
-            <a:endParaRPr lang="en-US" dirty="0"/>
+            <a:r>
+              <a:rPr lang="en-US" sz="1400" dirty="0"/>
+              <a:t>Max </a:t>
+            </a:r>
+            <a:r>
+              <a:rPr lang="en-US" sz="1400" dirty="0" err="1"/>
+              <a:t>Caduff</a:t>
+            </a:r>
+            <a:r>
+              <a:rPr lang="en-US" sz="1400" dirty="0"/>
+              <a:t>, Silver </a:t>
+            </a:r>
+            <a:r>
+              <a:rPr lang="en-US" sz="1400" dirty="0" err="1"/>
+              <a:t>Kameni</a:t>
+            </a:r>
+            <a:r>
+              <a:rPr lang="en-US" sz="1400" dirty="0"/>
+              <a:t>, Walid </a:t>
+            </a:r>
+            <a:r>
+              <a:rPr lang="en-US" sz="1400" dirty="0" err="1"/>
+              <a:t>Koubaa</a:t>
+            </a:r>
+            <a:r>
+              <a:rPr lang="en-US" sz="1400" dirty="0"/>
+              <a:t>, </a:t>
+            </a:r>
+            <a:r>
+              <a:rPr lang="en-US" sz="1400" dirty="0" err="1"/>
+              <a:t>Zacharie</a:t>
+            </a:r>
+            <a:r>
+              <a:rPr lang="en-US" sz="1400" dirty="0"/>
+              <a:t> </a:t>
+            </a:r>
+            <a:r>
+              <a:rPr lang="en-US" sz="1400" dirty="0" err="1"/>
+              <a:t>Nguefack</a:t>
+            </a:r>
+            <a:r>
+              <a:rPr lang="en-US" sz="1400" dirty="0"/>
+              <a:t>, Antoine Nourazar, </a:t>
+            </a:r>
+            <a:r>
+              <a:rPr lang="en-US" sz="1400" dirty="0" err="1"/>
+              <a:t>Doriane</a:t>
+            </a:r>
+            <a:r>
+              <a:rPr lang="en-US" sz="1400" dirty="0"/>
+              <a:t> </a:t>
+            </a:r>
+            <a:r>
+              <a:rPr lang="en-US" sz="1400" dirty="0" err="1"/>
+              <a:t>Tedongmo</a:t>
+            </a:r>
+            <a:endParaRPr lang="en-US" sz="1400" dirty="0"/>
           </a:p>
         </p:txBody>
       </p:sp>
@@ -4318,7 +4374,7 @@
           <p:cNvPr id="3" name="Espace réservé du contenu 2">
             <a:extLst>
               <a:ext uri="{FF2B5EF4-FFF2-40B4-BE49-F238E27FC236}">
-                <a16:creationId xmlns="" xmlns:a16="http://schemas.microsoft.com/office/drawing/2014/main" id="{64B9D26E-4A04-4CD3-8D65-59D2C38CE5B4}"/>
+                <a16:creationId xmlns:a16="http://schemas.microsoft.com/office/drawing/2014/main" id="{64B9D26E-4A04-4CD3-8D65-59D2C38CE5B4}"/>
               </a:ext>
             </a:extLst>
           </p:cNvPr>
@@ -4386,9 +4442,15 @@
       </p:grpSpPr>
       <p:sp>
         <p:nvSpPr>
-          <p:cNvPr id="5126" name="Rectangle 6"/>
-          <p:cNvSpPr>
-            <a:spLocks noGrp="1" noChangeArrowheads="1"/>
+          <p:cNvPr id="2" name="Titre 1">
+            <a:extLst>
+              <a:ext uri="{FF2B5EF4-FFF2-40B4-BE49-F238E27FC236}">
+                <a16:creationId xmlns:a16="http://schemas.microsoft.com/office/drawing/2014/main" id="{386C6B28-28F0-4A19-A7EB-367CC83D3C28}"/>
+              </a:ext>
+            </a:extLst>
+          </p:cNvPr>
+          <p:cNvSpPr>
+            <a:spLocks noGrp="1"/>
           </p:cNvSpPr>
           <p:nvPr>
             <p:ph type="title"/>
@@ -4401,19 +4463,25 @@
           <a:p>
             <a:r>
               <a:rPr lang="fr-CH" dirty="0"/>
-              <a:t>Objectifs</a:t>
-            </a:r>
-          </a:p>
-        </p:txBody>
-      </p:sp>
-      <p:sp>
-        <p:nvSpPr>
-          <p:cNvPr id="5127" name="Rectangle 7"/>
-          <p:cNvSpPr>
-            <a:spLocks noGrp="1" noChangeArrowheads="1"/>
-          </p:cNvSpPr>
-          <p:nvPr>
-            <p:ph type="body" idx="1"/>
+              <a:t>Sommaire</a:t>
+            </a:r>
+          </a:p>
+        </p:txBody>
+      </p:sp>
+      <p:sp>
+        <p:nvSpPr>
+          <p:cNvPr id="3" name="Espace réservé du contenu 2">
+            <a:extLst>
+              <a:ext uri="{FF2B5EF4-FFF2-40B4-BE49-F238E27FC236}">
+                <a16:creationId xmlns:a16="http://schemas.microsoft.com/office/drawing/2014/main" id="{6E9D60D7-5E3C-4AEF-BAA4-B4C5EBBC5886}"/>
+              </a:ext>
+            </a:extLst>
+          </p:cNvPr>
+          <p:cNvSpPr>
+            <a:spLocks noGrp="1"/>
+          </p:cNvSpPr>
+          <p:nvPr>
+            <p:ph idx="1"/>
           </p:nvPr>
         </p:nvSpPr>
         <p:spPr/>
@@ -4422,74 +4490,48 @@
           <a:lstStyle/>
           <a:p>
             <a:r>
-              <a:rPr lang="en-US" dirty="0"/>
-              <a:t>Lecture de </a:t>
-            </a:r>
-            <a:r>
               <a:rPr lang="fr-CH" dirty="0"/>
-              <a:t>fichiers</a:t>
-            </a:r>
-            <a:r>
-              <a:rPr lang="en-US" dirty="0"/>
-              <a:t> audios</a:t>
-            </a:r>
-          </a:p>
-          <a:p>
-            <a:pPr lvl="1"/>
-            <a:r>
-              <a:rPr lang="en-US" sz="1600" dirty="0"/>
-              <a:t>Formats supportés : Mp3, wav, aiff, aac</a:t>
-            </a:r>
-          </a:p>
-          <a:p>
-            <a:r>
-              <a:rPr lang="en-US" dirty="0"/>
-              <a:t>Lecture de fichiers videos</a:t>
-            </a:r>
-          </a:p>
-          <a:p>
-            <a:pPr lvl="1"/>
-            <a:r>
-              <a:rPr lang="en-US" sz="1600" dirty="0"/>
-              <a:t>Formats supportés : Mp4, flv</a:t>
-            </a:r>
-          </a:p>
-          <a:p>
-            <a:r>
-              <a:rPr lang="en-US" dirty="0"/>
-              <a:t>Fonctions ajoutées</a:t>
-            </a:r>
-          </a:p>
-          <a:p>
-            <a:pPr lvl="1"/>
-            <a:r>
-              <a:rPr lang="en-US" sz="1600" dirty="0" smtClean="0"/>
-              <a:t>V</a:t>
-            </a:r>
-            <a:r>
-              <a:rPr lang="fr-CH" sz="1600" dirty="0" smtClean="0"/>
-              <a:t>itesse variable</a:t>
-            </a:r>
-            <a:r>
-              <a:rPr lang="en-US" sz="1600" dirty="0" smtClean="0"/>
-              <a:t>, zoom, </a:t>
-            </a:r>
-            <a:r>
-              <a:rPr lang="en-US" sz="1600" dirty="0"/>
-              <a:t>lecture </a:t>
-            </a:r>
-            <a:r>
-              <a:rPr lang="fr-CH" sz="1600" dirty="0"/>
-              <a:t>aléatoire</a:t>
-            </a:r>
-            <a:r>
-              <a:rPr lang="en-US" sz="1600" dirty="0"/>
-              <a:t>…</a:t>
-            </a:r>
+              <a:t>Présentation (Objectifs - Description)</a:t>
+            </a:r>
+          </a:p>
+          <a:p>
+            <a:r>
+              <a:rPr lang="fr-CH" dirty="0"/>
+              <a:t>Technologies</a:t>
+            </a:r>
+          </a:p>
+          <a:p>
+            <a:r>
+              <a:rPr lang="fr-CH" dirty="0"/>
+              <a:t>Planning et Avancement</a:t>
+            </a:r>
+          </a:p>
+          <a:p>
+            <a:r>
+              <a:rPr lang="fr-CH" dirty="0"/>
+              <a:t>Conclusion</a:t>
+            </a:r>
+          </a:p>
+          <a:p>
+            <a:endParaRPr lang="fr-CH" dirty="0"/>
+          </a:p>
+          <a:p>
+            <a:endParaRPr lang="fr-CH" dirty="0"/>
+          </a:p>
+          <a:p>
+            <a:endParaRPr lang="fr-CH" dirty="0"/>
+          </a:p>
+          <a:p>
+            <a:endParaRPr lang="fr-CH" dirty="0"/>
           </a:p>
         </p:txBody>
       </p:sp>
     </p:spTree>
+    <p:extLst>
+      <p:ext uri="{BB962C8B-B14F-4D97-AF65-F5344CB8AC3E}">
+        <p14:creationId xmlns:p14="http://schemas.microsoft.com/office/powerpoint/2010/main" val="2974072800"/>
+      </p:ext>
+    </p:extLst>
   </p:cSld>
   <p:clrMapOvr>
     <a:masterClrMapping/>
@@ -4516,7 +4558,7 @@
       </p:grpSpPr>
       <p:sp>
         <p:nvSpPr>
-          <p:cNvPr id="22530" name="Rectangle 2"/>
+          <p:cNvPr id="5126" name="Rectangle 6"/>
           <p:cNvSpPr>
             <a:spLocks noGrp="1" noChangeArrowheads="1"/>
           </p:cNvSpPr>
@@ -4530,15 +4572,15 @@
           <a:lstStyle/>
           <a:p>
             <a:r>
-              <a:rPr lang="en-US"/>
-              <a:t>Description</a:t>
-            </a:r>
-          </a:p>
-        </p:txBody>
-      </p:sp>
-      <p:sp>
-        <p:nvSpPr>
-          <p:cNvPr id="22531" name="Rectangle 3"/>
+              <a:rPr lang="fr-CH" dirty="0"/>
+              <a:t>Objectifs</a:t>
+            </a:r>
+          </a:p>
+        </p:txBody>
+      </p:sp>
+      <p:sp>
+        <p:nvSpPr>
+          <p:cNvPr id="5127" name="Rectangle 7"/>
           <p:cNvSpPr>
             <a:spLocks noGrp="1" noChangeArrowheads="1"/>
           </p:cNvSpPr>
@@ -4552,115 +4594,65 @@
           <a:lstStyle/>
           <a:p>
             <a:r>
-              <a:rPr lang="en-US" dirty="0" err="1"/>
-              <a:t>Utilisation</a:t>
-            </a:r>
-            <a:r>
               <a:rPr lang="en-US" dirty="0"/>
-              <a:t> </a:t>
-            </a:r>
-            <a:r>
-              <a:rPr lang="en-US" dirty="0" smtClean="0"/>
-              <a:t>d’un </a:t>
-            </a:r>
-            <a:r>
-              <a:rPr lang="en-US" dirty="0" err="1" smtClean="0"/>
-              <a:t>fichier</a:t>
-            </a:r>
-            <a:r>
-              <a:rPr lang="en-US" dirty="0" smtClean="0"/>
-              <a:t> XML pour </a:t>
+              <a:t>Lecture de </a:t>
+            </a:r>
+            <a:r>
+              <a:rPr lang="fr-CH" dirty="0"/>
+              <a:t>fichiers</a:t>
             </a:r>
             <a:r>
               <a:rPr lang="en-US" dirty="0"/>
-              <a:t>stocker </a:t>
-            </a:r>
-            <a:r>
-              <a:rPr lang="en-US" dirty="0" smtClean="0"/>
-              <a:t>les </a:t>
-            </a:r>
-            <a:r>
-              <a:rPr lang="en-US" dirty="0" err="1" smtClean="0"/>
-              <a:t>informations</a:t>
-            </a:r>
-            <a:r>
-              <a:rPr lang="en-US" dirty="0" smtClean="0"/>
-              <a:t> </a:t>
-            </a:r>
-            <a:r>
-              <a:rPr lang="en-US" dirty="0" err="1" smtClean="0"/>
-              <a:t>sur</a:t>
-            </a:r>
-            <a:r>
-              <a:rPr lang="en-US" dirty="0" smtClean="0"/>
-              <a:t> les </a:t>
-            </a:r>
-            <a:r>
-              <a:rPr lang="en-US" dirty="0" err="1" smtClean="0"/>
-              <a:t>musiques</a:t>
-            </a:r>
+              <a:t> audios</a:t>
+            </a:r>
+          </a:p>
+          <a:p>
+            <a:pPr lvl="1"/>
+            <a:r>
+              <a:rPr lang="en-US" sz="1600" dirty="0"/>
+              <a:t>Formats supportés : Mp3, wav, aiff, aac</a:t>
+            </a:r>
+          </a:p>
+          <a:p>
             <a:r>
               <a:rPr lang="en-US" dirty="0"/>
-              <a:t>,</a:t>
-            </a:r>
-            <a:r>
-              <a:rPr lang="en-US" dirty="0" smtClean="0"/>
-              <a:t> </a:t>
-            </a:r>
+              <a:t>Lecture de fichiers videos</a:t>
+            </a:r>
+          </a:p>
+          <a:p>
+            <a:pPr lvl="1"/>
+            <a:r>
+              <a:rPr lang="en-US" sz="1600" dirty="0"/>
+              <a:t>Formats supportés : Mp4, flv</a:t>
+            </a:r>
+          </a:p>
+          <a:p>
             <a:r>
               <a:rPr lang="en-US" dirty="0"/>
-              <a:t>les </a:t>
-            </a:r>
-            <a:r>
-              <a:rPr lang="en-US" dirty="0" err="1" smtClean="0"/>
-              <a:t>vidéos</a:t>
-            </a:r>
-            <a:r>
-              <a:rPr lang="en-US" dirty="0" smtClean="0"/>
-              <a:t> et les playlists </a:t>
-            </a:r>
-            <a:r>
-              <a:rPr lang="en-US" dirty="0"/>
-              <a:t>de </a:t>
-            </a:r>
-            <a:r>
-              <a:rPr lang="en-US" dirty="0" err="1" smtClean="0"/>
-              <a:t>l’utilisateur</a:t>
-            </a:r>
-            <a:r>
-              <a:rPr lang="en-US" dirty="0" smtClean="0"/>
-              <a:t>.</a:t>
-            </a:r>
-            <a:endParaRPr lang="en-US" dirty="0"/>
-          </a:p>
-          <a:p>
-            <a:r>
-              <a:rPr lang="en-US" dirty="0"/>
-              <a:t>Lecture de fichiers audios </a:t>
-            </a:r>
-            <a:r>
-              <a:rPr lang="en-US" dirty="0" err="1"/>
-              <a:t>ou</a:t>
-            </a:r>
-            <a:r>
-              <a:rPr lang="en-US" dirty="0"/>
-              <a:t> </a:t>
-            </a:r>
-            <a:r>
-              <a:rPr lang="en-US" dirty="0" err="1"/>
-              <a:t>vidéos</a:t>
-            </a:r>
-            <a:r>
-              <a:rPr lang="en-US" dirty="0"/>
-              <a:t> de </a:t>
-            </a:r>
-            <a:r>
-              <a:rPr lang="en-US" dirty="0" err="1"/>
-              <a:t>manière</a:t>
-            </a:r>
-            <a:r>
-              <a:rPr lang="en-US" dirty="0"/>
-              <a:t> simple et intuitive</a:t>
+              <a:t>Fonctions ajoutées</a:t>
+            </a:r>
+          </a:p>
+          <a:p>
+            <a:pPr lvl="1"/>
+            <a:r>
+              <a:rPr lang="en-US" sz="1600" dirty="0"/>
+              <a:t>V</a:t>
+            </a:r>
+            <a:r>
+              <a:rPr lang="fr-CH" sz="1600" dirty="0"/>
+              <a:t>itesse variable</a:t>
+            </a:r>
+            <a:r>
+              <a:rPr lang="en-US" sz="1600" dirty="0"/>
+              <a:t>, zoom, lecture </a:t>
+            </a:r>
+            <a:r>
+              <a:rPr lang="fr-CH" sz="1600" dirty="0"/>
+              <a:t>aléatoire</a:t>
+            </a:r>
+            <a:r>
+              <a:rPr lang="en-US" sz="1600" dirty="0"/>
+              <a:t>…</a:t>
             </a:r>
           </a:p>
         </p:txBody>
@@ -4692,7 +4684,7 @@
       </p:grpSpPr>
       <p:sp>
         <p:nvSpPr>
-          <p:cNvPr id="25602" name="Rectangle 2"/>
+          <p:cNvPr id="22530" name="Rectangle 2"/>
           <p:cNvSpPr>
             <a:spLocks noGrp="1" noChangeArrowheads="1"/>
           </p:cNvSpPr>
@@ -4706,24 +4698,15 @@
           <a:lstStyle/>
           <a:p>
             <a:r>
-              <a:rPr lang="en-US" dirty="0"/>
-              <a:t>Technologies et </a:t>
-            </a:r>
-            <a:r>
-              <a:rPr lang="en-US" dirty="0" smtClean="0"/>
-              <a:t>languages </a:t>
-            </a:r>
-            <a:r>
-              <a:rPr lang="en-US" dirty="0" err="1"/>
-              <a:t>utilisés</a:t>
-            </a:r>
-            <a:endParaRPr lang="en-US" dirty="0"/>
-          </a:p>
-        </p:txBody>
-      </p:sp>
-      <p:sp>
-        <p:nvSpPr>
-          <p:cNvPr id="25603" name="Rectangle 3"/>
+              <a:rPr lang="en-US"/>
+              <a:t>Description</a:t>
+            </a:r>
+          </a:p>
+        </p:txBody>
+      </p:sp>
+      <p:sp>
+        <p:nvSpPr>
+          <p:cNvPr id="22531" name="Rectangle 3"/>
           <p:cNvSpPr>
             <a:spLocks noGrp="1" noChangeArrowheads="1"/>
           </p:cNvSpPr>
@@ -4737,139 +4720,90 @@
           <a:lstStyle/>
           <a:p>
             <a:r>
+              <a:rPr lang="en-US" dirty="0" err="1"/>
+              <a:t>Utilisation</a:t>
+            </a:r>
+            <a:r>
               <a:rPr lang="en-US" dirty="0"/>
-              <a:t>Java et JavaFX</a:t>
-            </a:r>
-          </a:p>
-          <a:p>
-            <a:pPr lvl="1"/>
-            <a:r>
-              <a:rPr lang="en-US" sz="1700" dirty="0" err="1"/>
-              <a:t>Avantages</a:t>
-            </a:r>
-            <a:r>
-              <a:rPr lang="en-US" sz="1700" dirty="0"/>
-              <a:t> : </a:t>
-            </a:r>
-            <a:r>
-              <a:rPr lang="en-US" sz="1700" dirty="0" smtClean="0"/>
-              <a:t>Déjà </a:t>
-            </a:r>
-            <a:r>
-              <a:rPr lang="en-US" sz="1700" dirty="0" err="1"/>
-              <a:t>installé</a:t>
-            </a:r>
-            <a:r>
-              <a:rPr lang="en-US" sz="1700" dirty="0"/>
+              <a:t> d’un </a:t>
+            </a:r>
+            <a:r>
+              <a:rPr lang="en-US" dirty="0" err="1"/>
+              <a:t>fichier</a:t>
+            </a:r>
+            <a:r>
+              <a:rPr lang="en-US" dirty="0"/>
+              <a:t> XML pour stocker les </a:t>
+            </a:r>
+            <a:r>
+              <a:rPr lang="en-US" dirty="0" err="1"/>
+              <a:t>informations</a:t>
+            </a:r>
+            <a:r>
+              <a:rPr lang="en-US" dirty="0"/>
               <a:t> </a:t>
             </a:r>
             <a:r>
-              <a:rPr lang="en-US" sz="1700" dirty="0" err="1"/>
-              <a:t>nativement</a:t>
-            </a:r>
-            <a:r>
-              <a:rPr lang="en-US" sz="1700" dirty="0"/>
-              <a:t> avec Java, </a:t>
-            </a:r>
-            <a:r>
-              <a:rPr lang="en-US" sz="1700" dirty="0" err="1"/>
-              <a:t>connaissance</a:t>
-            </a:r>
-            <a:r>
-              <a:rPr lang="en-US" sz="1700" dirty="0"/>
-              <a:t> de la </a:t>
-            </a:r>
-            <a:r>
-              <a:rPr lang="en-US" sz="1700" dirty="0" err="1"/>
-              <a:t>technologie</a:t>
-            </a:r>
-            <a:r>
-              <a:rPr lang="en-US" sz="1700" dirty="0"/>
-              <a:t>, </a:t>
-            </a:r>
-            <a:r>
-              <a:rPr lang="en-US" sz="1700" dirty="0" err="1"/>
-              <a:t>mise</a:t>
-            </a:r>
-            <a:r>
-              <a:rPr lang="en-US" sz="1700" dirty="0"/>
-              <a:t> à jour </a:t>
-            </a:r>
-            <a:r>
-              <a:rPr lang="en-US" sz="1700" dirty="0" err="1"/>
-              <a:t>récente</a:t>
-            </a:r>
-            <a:r>
-              <a:rPr lang="en-US" sz="1700" dirty="0"/>
-              <a:t>, </a:t>
-            </a:r>
-            <a:r>
-              <a:rPr lang="en-US" sz="1700" dirty="0" smtClean="0"/>
-              <a:t>support </a:t>
-            </a:r>
-            <a:r>
-              <a:rPr lang="en-US" sz="1700" dirty="0"/>
-              <a:t>des formats </a:t>
-            </a:r>
-            <a:r>
-              <a:rPr lang="en-US" sz="1700" dirty="0" err="1" smtClean="0"/>
-              <a:t>récents</a:t>
-            </a:r>
-            <a:r>
-              <a:rPr lang="en-US" sz="1700" dirty="0" smtClean="0"/>
+              <a:rPr lang="en-US" dirty="0" err="1"/>
+              <a:t>sur</a:t>
+            </a:r>
+            <a:r>
+              <a:rPr lang="en-US" dirty="0"/>
+              <a:t> les </a:t>
+            </a:r>
+            <a:r>
+              <a:rPr lang="en-US" dirty="0" err="1"/>
+              <a:t>musiques</a:t>
+            </a:r>
+            <a:r>
+              <a:rPr lang="en-US" dirty="0"/>
+              <a:t>, les </a:t>
+            </a:r>
+            <a:r>
+              <a:rPr lang="en-US" dirty="0" err="1"/>
+              <a:t>vidéos</a:t>
+            </a:r>
+            <a:r>
+              <a:rPr lang="en-US" dirty="0"/>
+              <a:t> et les playlists de </a:t>
+            </a:r>
+            <a:r>
+              <a:rPr lang="en-US" dirty="0" err="1"/>
+              <a:t>l’utilisateur</a:t>
+            </a:r>
+            <a:r>
+              <a:rPr lang="en-US" dirty="0"/>
               <a:t>.</a:t>
             </a:r>
-            <a:endParaRPr lang="en-US" sz="1700" dirty="0"/>
-          </a:p>
-          <a:p>
-            <a:pPr lvl="1"/>
-            <a:r>
-              <a:rPr lang="en-US" sz="1700" dirty="0" err="1"/>
-              <a:t>Inconvénients</a:t>
-            </a:r>
-            <a:r>
-              <a:rPr lang="en-US" sz="1700" dirty="0"/>
-              <a:t> : </a:t>
-            </a:r>
-            <a:r>
-              <a:rPr lang="en-US" sz="1700" dirty="0" err="1"/>
-              <a:t>Moins</a:t>
-            </a:r>
-            <a:r>
-              <a:rPr lang="en-US" sz="1700" dirty="0"/>
-              <a:t> de formats supportés que d’autres </a:t>
-            </a:r>
-            <a:r>
-              <a:rPr lang="en-US" sz="1700" dirty="0" err="1"/>
-              <a:t>bibliotheques</a:t>
-            </a:r>
-            <a:r>
-              <a:rPr lang="en-US" sz="1700" dirty="0"/>
-              <a:t> (</a:t>
-            </a:r>
-            <a:r>
-              <a:rPr lang="en-US" sz="1700" dirty="0" err="1"/>
-              <a:t>libVLC</a:t>
-            </a:r>
-            <a:r>
-              <a:rPr lang="en-US" sz="1700" dirty="0"/>
-              <a:t>)</a:t>
-            </a:r>
-          </a:p>
-          <a:p>
-            <a:endParaRPr lang="en-US" dirty="0"/>
-          </a:p>
-          <a:p>
-            <a:pPr lvl="1"/>
-            <a:endParaRPr lang="en-US" dirty="0"/>
-          </a:p>
-          <a:p>
-            <a:pPr marL="457200" lvl="1" indent="0">
-              <a:buNone/>
-            </a:pPr>
+          </a:p>
+          <a:p>
             <a:r>
               <a:rPr lang="en-US" dirty="0"/>
-              <a:t>	</a:t>
+              <a:t>Lecture de fichiers audios </a:t>
+            </a:r>
+            <a:r>
+              <a:rPr lang="en-US" dirty="0" err="1"/>
+              <a:t>ou</a:t>
+            </a:r>
+            <a:r>
+              <a:rPr lang="en-US" dirty="0"/>
+              <a:t> </a:t>
+            </a:r>
+            <a:r>
+              <a:rPr lang="en-US" dirty="0" err="1"/>
+              <a:t>vidéos</a:t>
+            </a:r>
+            <a:r>
+              <a:rPr lang="en-US" dirty="0"/>
+              <a:t> de </a:t>
+            </a:r>
+            <a:r>
+              <a:rPr lang="en-US" dirty="0" err="1"/>
+              <a:t>manière</a:t>
+            </a:r>
+            <a:r>
+              <a:rPr lang="en-US" dirty="0"/>
+              <a:t> simple et intuitive</a:t>
             </a:r>
           </a:p>
         </p:txBody>
@@ -4916,15 +4850,7 @@
           <a:p>
             <a:r>
               <a:rPr lang="en-US" dirty="0"/>
-              <a:t>Technologies et </a:t>
-            </a:r>
-            <a:r>
-              <a:rPr lang="en-US" dirty="0" err="1"/>
-              <a:t>langages</a:t>
-            </a:r>
-            <a:r>
-              <a:rPr lang="en-US" dirty="0"/>
-              <a:t> </a:t>
+              <a:t>Technologies et languages </a:t>
             </a:r>
             <a:r>
               <a:rPr lang="en-US" dirty="0" err="1"/>
@@ -4950,95 +4876,75 @@
           <a:lstStyle/>
           <a:p>
             <a:r>
-              <a:rPr lang="en-US" dirty="0" err="1"/>
-              <a:t>Langage</a:t>
-            </a:r>
-            <a:r>
               <a:rPr lang="en-US" dirty="0"/>
-              <a:t> XML</a:t>
+              <a:t>Java et JavaFX</a:t>
             </a:r>
           </a:p>
           <a:p>
             <a:pPr lvl="1"/>
             <a:r>
-              <a:rPr lang="en-US" sz="1700" dirty="0" err="1" smtClean="0"/>
+              <a:rPr lang="en-US" sz="1700" dirty="0" err="1"/>
               <a:t>Avantages</a:t>
             </a:r>
             <a:r>
-              <a:rPr lang="en-US" sz="1700" dirty="0" smtClean="0"/>
+              <a:rPr lang="en-US" sz="1700" dirty="0"/>
+              <a:t> : Déjà </a:t>
+            </a:r>
+            <a:r>
+              <a:rPr lang="en-US" sz="1700" dirty="0" err="1"/>
+              <a:t>installé</a:t>
+            </a:r>
+            <a:r>
+              <a:rPr lang="en-US" sz="1700" dirty="0"/>
               <a:t> </a:t>
             </a:r>
             <a:r>
+              <a:rPr lang="en-US" sz="1700" dirty="0" err="1"/>
+              <a:t>nativement</a:t>
+            </a:r>
+            <a:r>
               <a:rPr lang="en-US" sz="1700" dirty="0"/>
-              <a:t>: Rapide </a:t>
+              <a:t> avec Java, </a:t>
             </a:r>
             <a:r>
               <a:rPr lang="en-US" sz="1700" dirty="0" err="1"/>
-              <a:t>d’accès</a:t>
+              <a:t>connaissance</a:t>
+            </a:r>
+            <a:r>
+              <a:rPr lang="en-US" sz="1700" dirty="0"/>
+              <a:t> de la </a:t>
+            </a:r>
+            <a:r>
+              <a:rPr lang="en-US" sz="1700" dirty="0" err="1"/>
+              <a:t>technologie</a:t>
             </a:r>
             <a:r>
               <a:rPr lang="en-US" sz="1700" dirty="0"/>
               <a:t>, </a:t>
             </a:r>
             <a:r>
-              <a:rPr lang="en-US" sz="1700" dirty="0" smtClean="0"/>
-              <a:t>simple </a:t>
-            </a:r>
-            <a:r>
-              <a:rPr lang="en-US" sz="1700" dirty="0" err="1" smtClean="0"/>
-              <a:t>à</a:t>
-            </a:r>
-            <a:r>
-              <a:rPr lang="en-US" sz="1700" dirty="0" smtClean="0"/>
-              <a:t> </a:t>
-            </a:r>
-            <a:r>
-              <a:rPr lang="en-US" sz="1700" dirty="0" err="1" smtClean="0"/>
-              <a:t>utiliser</a:t>
-            </a:r>
-            <a:r>
-              <a:rPr lang="en-US" sz="1700" dirty="0" smtClean="0"/>
-              <a:t> </a:t>
+              <a:rPr lang="en-US" sz="1700" dirty="0" err="1"/>
+              <a:t>mise</a:t>
             </a:r>
             <a:r>
               <a:rPr lang="en-US" sz="1700" dirty="0"/>
-              <a:t>pour </a:t>
+              <a:t> à jour </a:t>
             </a:r>
             <a:r>
               <a:rPr lang="en-US" sz="1700" dirty="0" err="1"/>
-              <a:t>maintenir</a:t>
+              <a:t>récente</a:t>
             </a:r>
             <a:r>
               <a:rPr lang="en-US" sz="1700" dirty="0"/>
-              <a:t> la </a:t>
-            </a:r>
-            <a:r>
-              <a:rPr lang="en-US" sz="1700" dirty="0" err="1" smtClean="0"/>
-              <a:t>bibliothèque</a:t>
+              <a:t>, support des formats </a:t>
+            </a:r>
+            <a:r>
+              <a:rPr lang="en-US" sz="1700" dirty="0" err="1"/>
+              <a:t>récents</a:t>
             </a:r>
             <a:r>
               <a:rPr lang="en-US" sz="1700" dirty="0"/>
-              <a:t>, </a:t>
-            </a:r>
-            <a:r>
-              <a:rPr lang="en-US" sz="1700" dirty="0" smtClean="0"/>
-              <a:t>vu </a:t>
-            </a:r>
-            <a:r>
-              <a:rPr lang="en-US" sz="1700" dirty="0" err="1"/>
-              <a:t>dans</a:t>
-            </a:r>
-            <a:r>
-              <a:rPr lang="en-US" sz="1700" dirty="0"/>
-              <a:t> le cadre du </a:t>
-            </a:r>
-            <a:r>
-              <a:rPr lang="en-US" sz="1700" dirty="0" err="1"/>
-              <a:t>cours</a:t>
-            </a:r>
-            <a:r>
-              <a:rPr lang="en-US" sz="1700" dirty="0"/>
-              <a:t> SER.</a:t>
+              <a:t>.</a:t>
             </a:r>
           </a:p>
           <a:p>
@@ -5049,79 +4955,68 @@
             </a:r>
             <a:r>
               <a:rPr lang="en-US" sz="1700" dirty="0"/>
-              <a:t> : Ne </a:t>
+              <a:t> : </a:t>
             </a:r>
             <a:r>
               <a:rPr lang="en-US" sz="1700" dirty="0" err="1"/>
-              <a:t>permet</a:t>
+              <a:t>Moins</a:t>
             </a:r>
             <a:r>
               <a:rPr lang="en-US" sz="1700" dirty="0"/>
-              <a:t> pas de </a:t>
+              <a:t> de formats supportés que d’autres </a:t>
             </a:r>
             <a:r>
               <a:rPr lang="en-US" sz="1700" dirty="0" err="1"/>
-              <a:t>personnaliser</a:t>
+              <a:t>bibliotheques</a:t>
             </a:r>
             <a:r>
               <a:rPr lang="en-US" sz="1700" dirty="0"/>
-              <a:t> le </a:t>
+              <a:t> (</a:t>
             </a:r>
             <a:r>
               <a:rPr lang="en-US" sz="1700" dirty="0" err="1"/>
-              <a:t>lecteur</a:t>
+              <a:t>libVLC</a:t>
             </a:r>
             <a:r>
               <a:rPr lang="en-US" sz="1700" dirty="0"/>
-              <a:t> </a:t>
-            </a:r>
-            <a:r>
-              <a:rPr lang="en-US" sz="1700" dirty="0" err="1"/>
-              <a:t>comme</a:t>
-            </a:r>
-            <a:r>
-              <a:rPr lang="en-US" sz="1700" dirty="0"/>
-              <a:t> </a:t>
-            </a:r>
-            <a:r>
-              <a:rPr lang="en-US" sz="1700" dirty="0" err="1"/>
-              <a:t>l’idée</a:t>
-            </a:r>
-            <a:r>
-              <a:rPr lang="en-US" sz="1700" dirty="0"/>
-              <a:t> </a:t>
-            </a:r>
-            <a:r>
-              <a:rPr lang="en-US" sz="1700" dirty="0" err="1"/>
-              <a:t>é</a:t>
-            </a:r>
-            <a:r>
-              <a:rPr lang="en-US" sz="1700" dirty="0" err="1" smtClean="0"/>
-              <a:t>tait</a:t>
-            </a:r>
-            <a:r>
-              <a:rPr lang="en-US" sz="1700" dirty="0" smtClean="0"/>
-              <a:t> </a:t>
-            </a:r>
-            <a:r>
-              <a:rPr lang="en-US" sz="1700" dirty="0" err="1" smtClean="0"/>
-              <a:t>suggérée</a:t>
-            </a:r>
-            <a:r>
-              <a:rPr lang="en-US" sz="1700" dirty="0" smtClean="0"/>
-              <a:t> </a:t>
-            </a:r>
-            <a:r>
-              <a:rPr lang="en-US" sz="1700" dirty="0"/>
-              <a:t>au début du </a:t>
-            </a:r>
-            <a:r>
-              <a:rPr lang="en-US" sz="1700" dirty="0" err="1"/>
-              <a:t>projet</a:t>
-            </a:r>
-            <a:r>
-              <a:rPr lang="en-US" sz="1700" dirty="0"/>
-              <a:t> </a:t>
+              <a:t>)</a:t>
+            </a:r>
+          </a:p>
+          <a:p>
+            <a:pPr lvl="1"/>
+            <a:endParaRPr lang="en-US" sz="1700" dirty="0"/>
+          </a:p>
+          <a:p>
+            <a:r>
+              <a:rPr lang="en-US" sz="2100" dirty="0"/>
+              <a:t>FXML</a:t>
+            </a:r>
+          </a:p>
+          <a:p>
+            <a:pPr lvl="1"/>
+            <a:r>
+              <a:rPr lang="en-US" sz="1900" dirty="0" err="1"/>
+              <a:t>Simplicité</a:t>
+            </a:r>
+            <a:r>
+              <a:rPr lang="en-US" sz="1900" dirty="0"/>
+              <a:t> pour </a:t>
+            </a:r>
+            <a:r>
+              <a:rPr lang="en-US" sz="1900" dirty="0" err="1"/>
+              <a:t>créer</a:t>
+            </a:r>
+            <a:r>
+              <a:rPr lang="en-US" sz="1900" dirty="0"/>
+              <a:t> la </a:t>
+            </a:r>
+            <a:r>
+              <a:rPr lang="en-US" sz="1900" dirty="0" err="1"/>
+              <a:t>vue</a:t>
+            </a:r>
+            <a:r>
+              <a:rPr lang="en-US" sz="1900" dirty="0"/>
+              <a:t> avec l</a:t>
             </a:r>
           </a:p>
           <a:p>
@@ -5143,11 +5038,6 @@
         </p:txBody>
       </p:sp>
     </p:spTree>
-    <p:extLst>
-      <p:ext uri="{BB962C8B-B14F-4D97-AF65-F5344CB8AC3E}">
-        <p14:creationId xmlns:p14="http://schemas.microsoft.com/office/powerpoint/2010/main" val="1630976613"/>
-      </p:ext>
-    </p:extLst>
   </p:cSld>
   <p:clrMapOvr>
     <a:masterClrMapping/>
@@ -5174,7 +5064,7 @@
       </p:grpSpPr>
       <p:sp>
         <p:nvSpPr>
-          <p:cNvPr id="28674" name="Rectangle 2"/>
+          <p:cNvPr id="25602" name="Rectangle 2"/>
           <p:cNvSpPr>
             <a:spLocks noGrp="1" noChangeArrowheads="1"/>
           </p:cNvSpPr>
@@ -5189,11 +5079,19 @@
           <a:p>
             <a:r>
               <a:rPr lang="en-US" dirty="0"/>
-              <a:t>Planning </a:t>
+              <a:t>Technologies et </a:t>
             </a:r>
             <a:r>
               <a:rPr lang="en-US" dirty="0" err="1"/>
-              <a:t>prévu</a:t>
+              <a:t>langages</a:t>
+            </a:r>
+            <a:r>
+              <a:rPr lang="en-US" dirty="0"/>
+              <a:t> </a:t>
+            </a:r>
+            <a:r>
+              <a:rPr lang="en-US" dirty="0" err="1"/>
+              <a:t>utilisés</a:t>
             </a:r>
             <a:endParaRPr lang="en-US" dirty="0"/>
           </a:p>
@@ -5201,7 +5099,7 @@
       </p:sp>
       <p:sp>
         <p:nvSpPr>
-          <p:cNvPr id="28675" name="Rectangle 3"/>
+          <p:cNvPr id="25603" name="Rectangle 3"/>
           <p:cNvSpPr>
             <a:spLocks noGrp="1" noChangeArrowheads="1"/>
           </p:cNvSpPr>
@@ -5216,116 +5114,166 @@
           <a:p>
             <a:r>
               <a:rPr lang="en-US" dirty="0" err="1"/>
-              <a:t>Etapes</a:t>
+              <a:t>Langage</a:t>
             </a:r>
             <a:r>
               <a:rPr lang="en-US" dirty="0"/>
+              <a:t> XML</a:t>
+            </a:r>
+          </a:p>
+          <a:p>
+            <a:pPr lvl="1"/>
+            <a:r>
+              <a:rPr lang="en-US" sz="1700" dirty="0" err="1"/>
+              <a:t>Avantages</a:t>
+            </a:r>
+            <a:r>
+              <a:rPr lang="en-US" sz="1700" dirty="0"/>
+              <a:t> : Rapide </a:t>
+            </a:r>
+            <a:r>
+              <a:rPr lang="en-US" sz="1700" dirty="0" err="1"/>
+              <a:t>d’accès</a:t>
+            </a:r>
+            <a:r>
+              <a:rPr lang="en-US" sz="1700" dirty="0"/>
+              <a:t>, simple </a:t>
+            </a:r>
+            <a:r>
+              <a:rPr lang="en-US" sz="1700" dirty="0" err="1"/>
+              <a:t>à</a:t>
+            </a:r>
+            <a:r>
+              <a:rPr lang="en-US" sz="1700" dirty="0"/>
               <a:t> </a:t>
             </a:r>
             <a:r>
-              <a:rPr lang="en-US" dirty="0" err="1"/>
-              <a:t>importantes</a:t>
-            </a:r>
-            <a:r>
-              <a:rPr lang="en-US" dirty="0"/>
-              <a:t> :	</a:t>
+              <a:rPr lang="en-US" sz="1700" dirty="0" err="1"/>
+              <a:t>utiliser</a:t>
+            </a:r>
+            <a:r>
+              <a:rPr lang="en-US" sz="1700" dirty="0"/>
+              <a:t> pour </a:t>
+            </a:r>
+            <a:r>
+              <a:rPr lang="en-US" sz="1700" dirty="0" err="1"/>
+              <a:t>maintenir</a:t>
+            </a:r>
+            <a:r>
+              <a:rPr lang="en-US" sz="1700" dirty="0"/>
+              <a:t> la </a:t>
+            </a:r>
+            <a:r>
+              <a:rPr lang="en-US" sz="1700" dirty="0" err="1"/>
+              <a:t>bibliothèque</a:t>
+            </a:r>
+            <a:r>
+              <a:rPr lang="en-US" sz="1700" dirty="0"/>
+              <a:t>, vu </a:t>
+            </a:r>
+            <a:r>
+              <a:rPr lang="en-US" sz="1700" dirty="0" err="1"/>
+              <a:t>dans</a:t>
+            </a:r>
+            <a:r>
+              <a:rPr lang="en-US" sz="1700" dirty="0"/>
+              <a:t> le cadre du </a:t>
+            </a:r>
+            <a:r>
+              <a:rPr lang="en-US" sz="1700" dirty="0" err="1"/>
+              <a:t>cours</a:t>
+            </a:r>
+            <a:r>
+              <a:rPr lang="en-US" sz="1700" dirty="0"/>
+              <a:t> SER.</a:t>
             </a:r>
           </a:p>
           <a:p>
             <a:pPr lvl="1"/>
             <a:r>
-              <a:rPr lang="en-US" dirty="0"/>
-              <a:t>Lecture </a:t>
-            </a:r>
-            <a:r>
-              <a:rPr lang="en-US" dirty="0" err="1"/>
-              <a:t>fichier</a:t>
-            </a:r>
-            <a:r>
-              <a:rPr lang="en-US" dirty="0"/>
-              <a:t> audio </a:t>
-            </a:r>
-            <a:r>
-              <a:rPr lang="en-US" dirty="0">
-                <a:sym typeface="Wingdings" panose="05000000000000000000" pitchFamily="2" charset="2"/>
-              </a:rPr>
-              <a:t> 12.4.2018</a:t>
-            </a:r>
+              <a:rPr lang="en-US" sz="1700" dirty="0" err="1"/>
+              <a:t>Inconvénients</a:t>
+            </a:r>
+            <a:r>
+              <a:rPr lang="en-US" sz="1700" dirty="0"/>
+              <a:t> : Ne </a:t>
+            </a:r>
+            <a:r>
+              <a:rPr lang="en-US" sz="1700" dirty="0" err="1"/>
+              <a:t>permet</a:t>
+            </a:r>
+            <a:r>
+              <a:rPr lang="en-US" sz="1700" dirty="0"/>
+              <a:t> pas de </a:t>
+            </a:r>
+            <a:r>
+              <a:rPr lang="en-US" sz="1700" dirty="0" err="1"/>
+              <a:t>personnaliser</a:t>
+            </a:r>
+            <a:r>
+              <a:rPr lang="en-US" sz="1700" dirty="0"/>
+              <a:t> le </a:t>
+            </a:r>
+            <a:r>
+              <a:rPr lang="en-US" sz="1700" dirty="0" err="1"/>
+              <a:t>lecteur</a:t>
+            </a:r>
+            <a:r>
+              <a:rPr lang="en-US" sz="1700" dirty="0"/>
+              <a:t> </a:t>
+            </a:r>
+            <a:r>
+              <a:rPr lang="en-US" sz="1700" dirty="0" err="1"/>
+              <a:t>comme</a:t>
+            </a:r>
+            <a:r>
+              <a:rPr lang="en-US" sz="1700" dirty="0"/>
+              <a:t> </a:t>
+            </a:r>
+            <a:r>
+              <a:rPr lang="en-US" sz="1700" dirty="0" err="1"/>
+              <a:t>l’idée</a:t>
+            </a:r>
+            <a:r>
+              <a:rPr lang="en-US" sz="1700" dirty="0"/>
+              <a:t> </a:t>
+            </a:r>
+            <a:r>
+              <a:rPr lang="en-US" sz="1700" dirty="0" err="1"/>
+              <a:t>était</a:t>
+            </a:r>
+            <a:r>
+              <a:rPr lang="en-US" sz="1700" dirty="0"/>
+              <a:t> </a:t>
+            </a:r>
+            <a:r>
+              <a:rPr lang="en-US" sz="1700" dirty="0" err="1"/>
+              <a:t>suggérée</a:t>
+            </a:r>
+            <a:r>
+              <a:rPr lang="en-US" sz="1700" dirty="0"/>
+              <a:t> au début du </a:t>
+            </a:r>
+            <a:r>
+              <a:rPr lang="en-US" sz="1700" dirty="0" err="1"/>
+              <a:t>projet</a:t>
+            </a:r>
+            <a:r>
+              <a:rPr lang="en-US" sz="1700" dirty="0"/>
+              <a:t> </a:t>
+            </a:r>
+          </a:p>
+          <a:p>
             <a:endParaRPr lang="en-US" dirty="0"/>
           </a:p>
           <a:p>
             <a:pPr lvl="1"/>
-            <a:r>
-              <a:rPr lang="en-US" dirty="0"/>
-              <a:t>Lecture </a:t>
-            </a:r>
-            <a:r>
-              <a:rPr lang="en-US" dirty="0" err="1"/>
-              <a:t>fichier</a:t>
-            </a:r>
-            <a:r>
-              <a:rPr lang="en-US" dirty="0"/>
-              <a:t> video </a:t>
-            </a:r>
-            <a:r>
-              <a:rPr lang="en-US" dirty="0">
-                <a:sym typeface="Wingdings" panose="05000000000000000000" pitchFamily="2" charset="2"/>
-              </a:rPr>
-              <a:t>   3.5.2018</a:t>
-            </a:r>
+            <a:endParaRPr lang="en-US" dirty="0"/>
           </a:p>
           <a:p>
             <a:pPr marL="457200" lvl="1" indent="0">
               <a:buNone/>
             </a:pPr>
-            <a:endParaRPr lang="en-US" dirty="0">
-              <a:sym typeface="Wingdings" panose="05000000000000000000" pitchFamily="2" charset="2"/>
-            </a:endParaRPr>
-          </a:p>
-          <a:p>
-            <a:pPr marL="400050"/>
-            <a:r>
-              <a:rPr lang="en-US" dirty="0">
-                <a:sym typeface="Wingdings" panose="05000000000000000000" pitchFamily="2" charset="2"/>
-              </a:rPr>
-              <a:t>Tout au long du </a:t>
-            </a:r>
-            <a:r>
-              <a:rPr lang="en-US" dirty="0" err="1">
-                <a:sym typeface="Wingdings" panose="05000000000000000000" pitchFamily="2" charset="2"/>
-              </a:rPr>
-              <a:t>projet</a:t>
-            </a:r>
-            <a:r>
-              <a:rPr lang="en-US" dirty="0">
-                <a:sym typeface="Wingdings" panose="05000000000000000000" pitchFamily="2" charset="2"/>
-              </a:rPr>
-              <a:t> :</a:t>
-            </a:r>
-          </a:p>
-          <a:p>
-            <a:pPr marL="800100" lvl="1"/>
-            <a:r>
-              <a:rPr lang="en-US" dirty="0">
-                <a:sym typeface="Wingdings" panose="05000000000000000000" pitchFamily="2" charset="2"/>
-              </a:rPr>
-              <a:t>Documentation</a:t>
-            </a:r>
-          </a:p>
-          <a:p>
-            <a:pPr marL="800100" lvl="1"/>
-            <a:r>
-              <a:rPr lang="en-US" dirty="0">
-                <a:sym typeface="Wingdings" panose="05000000000000000000" pitchFamily="2" charset="2"/>
-              </a:rPr>
-              <a:t>Fonctions </a:t>
-            </a:r>
-            <a:r>
-              <a:rPr lang="en-US" dirty="0" err="1">
-                <a:sym typeface="Wingdings" panose="05000000000000000000" pitchFamily="2" charset="2"/>
-              </a:rPr>
-              <a:t>supplémentaires</a:t>
-            </a:r>
             <a:r>
               <a:rPr lang="en-US" dirty="0"/>
               <a:t>	</a:t>
@@ -5333,69 +5281,12 @@
           </a:p>
         </p:txBody>
       </p:sp>
-      <p:sp>
-        <p:nvSpPr>
-          <p:cNvPr id="28676" name="Text Box 4"/>
-          <p:cNvSpPr txBox="1">
-            <a:spLocks noChangeArrowheads="1"/>
-          </p:cNvSpPr>
-          <p:nvPr/>
-        </p:nvSpPr>
-        <p:spPr bwMode="auto">
-          <a:xfrm>
-            <a:off x="1905000" y="5943600"/>
-            <a:ext cx="6553200" cy="307777"/>
-          </a:xfrm>
-          <a:prstGeom prst="rect">
-            <a:avLst/>
-          </a:prstGeom>
-          <a:noFill/>
-          <a:ln>
-            <a:noFill/>
-          </a:ln>
-          <a:effectLst/>
-          <a:extLst>
-            <a:ext uri="{909E8E84-426E-40dd-AFC4-6F175D3DCCD1}">
-              <a14:hiddenFill xmlns:a14="http://schemas.microsoft.com/office/drawing/2010/main">
-                <a:solidFill>
-                  <a:schemeClr val="accent1"/>
-                </a:solidFill>
-              </a14:hiddenFill>
-            </a:ext>
-            <a:ext uri="{91240B29-F687-4f45-9708-019B960494DF}">
-              <a14:hiddenLine xmlns:a14="http://schemas.microsoft.com/office/drawing/2010/main" w="12700" cap="sq">
-                <a:solidFill>
-                  <a:schemeClr val="tx1"/>
-                </a:solidFill>
-                <a:miter lim="800000"/>
-                <a:headEnd type="none" w="sm" len="sm"/>
-                <a:tailEnd type="none" w="sm" len="sm"/>
-              </a14:hiddenLine>
-            </a:ext>
-            <a:ext uri="{AF507438-7753-43e0-B8FC-AC1667EBCBE1}">
-              <a14:hiddenEffects xmlns:a14="http://schemas.microsoft.com/office/drawing/2010/main">
-                <a:effectLst>
-                  <a:outerShdw dist="35921" dir="2700000" algn="ctr" rotWithShape="0">
-                    <a:schemeClr val="bg2"/>
-                  </a:outerShdw>
-                </a:effectLst>
-              </a14:hiddenEffects>
-            </a:ext>
-          </a:extLst>
-        </p:spPr>
-        <p:txBody>
-          <a:bodyPr>
-            <a:spAutoFit/>
-          </a:bodyPr>
-          <a:lstStyle/>
-          <a:p>
-            <a:endParaRPr lang="en-US" sz="1400" dirty="0">
-              <a:latin typeface="Trebuchet MS" pitchFamily="34" charset="0"/>
-            </a:endParaRPr>
-          </a:p>
-        </p:txBody>
-      </p:sp>
     </p:spTree>
+    <p:extLst>
+      <p:ext uri="{BB962C8B-B14F-4D97-AF65-F5344CB8AC3E}">
+        <p14:creationId xmlns:p14="http://schemas.microsoft.com/office/powerpoint/2010/main" val="1630976613"/>
+      </p:ext>
+    </p:extLst>
   </p:cSld>
   <p:clrMapOvr>
     <a:masterClrMapping/>
@@ -5422,7 +5313,7 @@
       </p:grpSpPr>
       <p:sp>
         <p:nvSpPr>
-          <p:cNvPr id="29698" name="Rectangle 2"/>
+          <p:cNvPr id="28674" name="Rectangle 2"/>
           <p:cNvSpPr>
             <a:spLocks noGrp="1" noChangeArrowheads="1"/>
           </p:cNvSpPr>
@@ -5436,16 +5327,12 @@
           <a:lstStyle/>
           <a:p>
             <a:r>
+              <a:rPr lang="en-US" dirty="0"/>
+              <a:t>Planning </a:t>
+            </a:r>
+            <a:r>
               <a:rPr lang="en-US" dirty="0" err="1"/>
-              <a:t>Avancement</a:t>
-            </a:r>
-            <a:r>
-              <a:rPr lang="en-US" dirty="0"/>
-              <a:t> du </a:t>
-            </a:r>
-            <a:r>
-              <a:rPr lang="en-US" dirty="0" err="1"/>
-              <a:t>projet</a:t>
+              <a:t>prévu</a:t>
             </a:r>
             <a:endParaRPr lang="en-US" dirty="0"/>
           </a:p>
@@ -5453,7 +5340,7 @@
       </p:sp>
       <p:sp>
         <p:nvSpPr>
-          <p:cNvPr id="29699" name="Rectangle 3"/>
+          <p:cNvPr id="28675" name="Rectangle 3"/>
           <p:cNvSpPr>
             <a:spLocks noGrp="1" noChangeArrowheads="1"/>
           </p:cNvSpPr>
@@ -5467,132 +5354,183 @@
           <a:lstStyle/>
           <a:p>
             <a:r>
+              <a:rPr lang="en-US" dirty="0" err="1"/>
+              <a:t>Etapes</a:t>
+            </a:r>
+            <a:r>
               <a:rPr lang="en-US" dirty="0"/>
-              <a:t>Retard :</a:t>
+              <a:t> </a:t>
+            </a:r>
+            <a:r>
+              <a:rPr lang="en-US" dirty="0" err="1"/>
+              <a:t>importantes</a:t>
+            </a:r>
+            <a:r>
+              <a:rPr lang="en-US" dirty="0"/>
+              <a:t> :	</a:t>
             </a:r>
           </a:p>
           <a:p>
             <a:pPr lvl="1"/>
             <a:r>
-              <a:rPr lang="en-US" sz="1600" dirty="0"/>
-              <a:t>La </a:t>
-            </a:r>
-            <a:r>
-              <a:rPr lang="en-US" sz="1600" dirty="0" err="1"/>
-              <a:t>partie</a:t>
-            </a:r>
-            <a:r>
-              <a:rPr lang="en-US" sz="1600" dirty="0"/>
+              <a:rPr lang="en-US" dirty="0"/>
+              <a:t>Lecture </a:t>
+            </a:r>
+            <a:r>
+              <a:rPr lang="en-US" dirty="0" err="1"/>
+              <a:t>fichier</a:t>
+            </a:r>
+            <a:r>
+              <a:rPr lang="en-US" dirty="0"/>
               <a:t> audio </a:t>
             </a:r>
             <a:r>
-              <a:rPr lang="en-US" sz="1600" dirty="0" err="1"/>
-              <a:t>n’est</a:t>
-            </a:r>
-            <a:r>
-              <a:rPr lang="en-US" sz="1600" dirty="0"/>
-              <a:t> pas encore </a:t>
-            </a:r>
-            <a:r>
-              <a:rPr lang="en-US" sz="1600" dirty="0" err="1"/>
-              <a:t>finie</a:t>
-            </a:r>
-            <a:endParaRPr lang="en-US" sz="1600" dirty="0"/>
+              <a:rPr lang="en-US" dirty="0">
+                <a:sym typeface="Wingdings" panose="05000000000000000000" pitchFamily="2" charset="2"/>
+              </a:rPr>
+              <a:t> 12.4.2018</a:t>
+            </a:r>
+            <a:endParaRPr lang="en-US" dirty="0"/>
           </a:p>
           <a:p>
             <a:pPr lvl="1"/>
             <a:r>
-              <a:rPr lang="en-US" sz="1600" dirty="0" err="1"/>
-              <a:t>Effet</a:t>
-            </a:r>
-            <a:r>
-              <a:rPr lang="en-US" sz="1600" dirty="0"/>
-              <a:t> direct sur la video : </a:t>
-            </a:r>
-            <a:r>
-              <a:rPr lang="en-US" sz="1600" dirty="0" err="1"/>
-              <a:t>partie</a:t>
-            </a:r>
-            <a:r>
-              <a:rPr lang="en-US" sz="1600" dirty="0"/>
-              <a:t> pas </a:t>
-            </a:r>
-            <a:r>
-              <a:rPr lang="en-US" sz="1600" dirty="0" err="1" smtClean="0"/>
-              <a:t>commencée</a:t>
-            </a:r>
-            <a:endParaRPr lang="en-US" sz="1600" dirty="0"/>
-          </a:p>
-          <a:p>
-            <a:r>
-              <a:rPr lang="en-US" dirty="0" smtClean="0"/>
-              <a:t>Causes </a:t>
-            </a:r>
-            <a:r>
               <a:rPr lang="en-US" dirty="0"/>
-              <a:t>:</a:t>
-            </a:r>
-          </a:p>
-          <a:p>
-            <a:pPr lvl="1"/>
-            <a:r>
-              <a:rPr lang="en-US" sz="1600" dirty="0" err="1"/>
-              <a:t>Mauvaise</a:t>
-            </a:r>
-            <a:r>
-              <a:rPr lang="en-US" sz="1600" dirty="0"/>
-              <a:t> </a:t>
-            </a:r>
-            <a:r>
-              <a:rPr lang="fr-CH" sz="1600" dirty="0"/>
-              <a:t>organisation</a:t>
-            </a:r>
-            <a:r>
-              <a:rPr lang="en-US" sz="1600" dirty="0"/>
-              <a:t> au </a:t>
-            </a:r>
-            <a:r>
-              <a:rPr lang="en-US" sz="1600" dirty="0" err="1" smtClean="0"/>
-              <a:t>départ</a:t>
-            </a:r>
-            <a:r>
-              <a:rPr lang="en-US" sz="1600" dirty="0" smtClean="0"/>
-              <a:t> </a:t>
-            </a:r>
-            <a:r>
-              <a:rPr lang="en-US" sz="1600" dirty="0"/>
-              <a:t>du </a:t>
-            </a:r>
-            <a:r>
-              <a:rPr lang="en-US" sz="1600" dirty="0" err="1"/>
+              <a:t>Lecture </a:t>
+            </a:r>
+            <a:r>
+              <a:rPr lang="en-US" dirty="0" err="1"/>
+              <a:t>fichier</a:t>
+            </a:r>
+            <a:r>
+              <a:rPr lang="en-US" dirty="0"/>
+              <a:t> video </a:t>
+            </a:r>
+            <a:r>
+              <a:rPr lang="en-US" dirty="0">
+                <a:sym typeface="Wingdings" panose="05000000000000000000" pitchFamily="2" charset="2"/>
+              </a:rPr>
+              <a:t>   3.5.2018</a:t>
+            </a:r>
+          </a:p>
+          <a:p>
+            <a:pPr marL="457200" lvl="1" indent="0">
+              <a:buNone/>
+            </a:pPr>
+            <a:endParaRPr lang="en-US" dirty="0">
+              <a:sym typeface="Wingdings" panose="05000000000000000000" pitchFamily="2" charset="2"/>
+            </a:endParaRPr>
+          </a:p>
+          <a:p>
+            <a:pPr marL="400050"/>
+            <a:r>
+              <a:rPr lang="en-US" dirty="0">
+                <a:sym typeface="Wingdings" panose="05000000000000000000" pitchFamily="2" charset="2"/>
+              </a:rPr>
+              <a:t>Tout au long du </a:t>
+            </a:r>
+            <a:r>
+              <a:rPr lang="en-US" dirty="0" err="1">
+                <a:sym typeface="Wingdings" panose="05000000000000000000" pitchFamily="2" charset="2"/>
+              </a:rPr>
               <a:t>projet</a:t>
             </a:r>
-            <a:endParaRPr lang="en-US" sz="1600" dirty="0"/>
-          </a:p>
-          <a:p>
-            <a:pPr lvl="1"/>
-            <a:r>
-              <a:rPr lang="en-US" sz="1600" dirty="0"/>
-              <a:t>Précipitation pour coder</a:t>
-            </a:r>
-          </a:p>
-          <a:p>
-            <a:pPr lvl="1"/>
-            <a:r>
-              <a:rPr lang="en-US" sz="1600" dirty="0" err="1"/>
-              <a:t>Difficultés</a:t>
-            </a:r>
-            <a:r>
-              <a:rPr lang="en-US" sz="1600" dirty="0"/>
-              <a:t> techniques.</a:t>
-            </a:r>
-          </a:p>
-          <a:p>
-            <a:pPr lvl="1"/>
-            <a:r>
-              <a:rPr lang="en-US" sz="1600" dirty="0"/>
-              <a:t>Communication</a:t>
-            </a:r>
+            <a:r>
+              <a:rPr lang="en-US" dirty="0">
+                <a:sym typeface="Wingdings" panose="05000000000000000000" pitchFamily="2" charset="2"/>
+              </a:rPr>
+              <a:t> :</a:t>
+            </a:r>
+          </a:p>
+          <a:p>
+            <a:pPr marL="800100" lvl="1"/>
+            <a:r>
+              <a:rPr lang="en-US" dirty="0">
+                <a:sym typeface="Wingdings" panose="05000000000000000000" pitchFamily="2" charset="2"/>
+              </a:rPr>
+              <a:t>Documentation</a:t>
+            </a:r>
+          </a:p>
+          <a:p>
+            <a:pPr marL="800100" lvl="1"/>
+            <a:r>
+              <a:rPr lang="en-US" dirty="0">
+                <a:sym typeface="Wingdings" panose="05000000000000000000" pitchFamily="2" charset="2"/>
+              </a:rPr>
+              <a:t>Fonctions </a:t>
+            </a:r>
+            <a:r>
+              <a:rPr lang="en-US" dirty="0" err="1">
+                <a:sym typeface="Wingdings" panose="05000000000000000000" pitchFamily="2" charset="2"/>
+              </a:rPr>
+              <a:t>supplémentaires</a:t>
+            </a:r>
+            <a:r>
+              <a:rPr lang="en-US" dirty="0"/>
+              <a:t>	</a:t>
+            </a:r>
+          </a:p>
+        </p:txBody>
+      </p:sp>
+      <p:sp>
+        <p:nvSpPr>
+          <p:cNvPr id="28676" name="Text Box 4"/>
+          <p:cNvSpPr txBox="1">
+            <a:spLocks noChangeArrowheads="1"/>
+          </p:cNvSpPr>
+          <p:nvPr/>
+        </p:nvSpPr>
+        <p:spPr bwMode="auto">
+          <a:xfrm>
+            <a:off x="1905000" y="5943600"/>
+            <a:ext cx="6553200" cy="307777"/>
+          </a:xfrm>
+          <a:prstGeom prst="rect">
+            <a:avLst/>
+          </a:prstGeom>
+          <a:noFill/>
+          <a:ln>
+            <a:noFill/>
+          </a:ln>
+          <a:effectLst/>
+          <a:extLst>
+            <a:ext uri="{909E8E84-426E-40dd-AFC4-6F175D3DCCD1}">
+              <a14:hiddenFill xmlns:a14="http://schemas.microsoft.com/office/drawing/2010/main" xmlns="">
+                <a:solidFill>
+                  <a:schemeClr val="accent1"/>
+                </a:solidFill>
+              </a14:hiddenFill>
+            </a:ext>
+            <a:ext uri="{91240B29-F687-4f45-9708-019B960494DF}">
+              <a14:hiddenLine xmlns:a14="http://schemas.microsoft.com/office/drawing/2010/main" xmlns="" w="12700" cap="sq">
+                <a:solidFill>
+                  <a:schemeClr val="tx1"/>
+                </a:solidFill>
+                <a:miter lim="800000"/>
+                <a:headEnd type="none" w="sm" len="sm"/>
+                <a:tailEnd type="none" w="sm" len="sm"/>
+              </a14:hiddenLine>
+            </a:ext>
+            <a:ext uri="{AF507438-7753-43e0-B8FC-AC1667EBCBE1}">
+              <a14:hiddenEffects xmlns:a14="http://schemas.microsoft.com/office/drawing/2010/main" xmlns="">
+                <a:effectLst>
+                  <a:outerShdw dist="35921" dir="2700000" algn="ctr" rotWithShape="0">
+                    <a:schemeClr val="bg2"/>
+                  </a:outerShdw>
+                </a:effectLst>
+              </a14:hiddenEffects>
+            </a:ext>
+          </a:extLst>
+        </p:spPr>
+        <p:txBody>
+          <a:bodyPr>
+            <a:spAutoFit/>
+          </a:bodyPr>
+          <a:lstStyle/>
+          <a:p>
+            <a:endParaRPr lang="en-US" sz="1400" dirty="0">
+              <a:latin typeface="Trebuchet MS" pitchFamily="34" charset="0"/>
+            </a:endParaRPr>
           </a:p>
         </p:txBody>
       </p:sp>
@@ -5668,156 +5606,128 @@
           <a:lstStyle/>
           <a:p>
             <a:r>
-              <a:rPr lang="en-US" dirty="0" err="1"/>
-              <a:t>Conséquences</a:t>
-            </a:r>
-            <a:r>
               <a:rPr lang="en-US" dirty="0"/>
-              <a:t> :</a:t>
+              <a:t>Retard :</a:t>
             </a:r>
           </a:p>
           <a:p>
             <a:pPr lvl="1"/>
             <a:r>
               <a:rPr lang="en-US" sz="1600" dirty="0"/>
-              <a:t>2 </a:t>
+              <a:t>La </a:t>
             </a:r>
             <a:r>
               <a:rPr lang="en-US" sz="1600" dirty="0" err="1"/>
-              <a:t>semaines</a:t>
+              <a:t>partie</a:t>
             </a:r>
             <a:r>
               <a:rPr lang="en-US" sz="1600" dirty="0"/>
-              <a:t> de retard environ</a:t>
-            </a:r>
+              <a:t> audio </a:t>
+            </a:r>
+            <a:r>
+              <a:rPr lang="en-US" sz="1600" dirty="0" err="1"/>
+              <a:t>n’est</a:t>
+            </a:r>
+            <a:r>
+              <a:rPr lang="en-US" sz="1600" dirty="0"/>
+              <a:t> pas encore </a:t>
+            </a:r>
+            <a:r>
+              <a:rPr lang="en-US" sz="1600" dirty="0" err="1"/>
+              <a:t>finie</a:t>
+            </a:r>
+            <a:endParaRPr lang="en-US" sz="1600" dirty="0"/>
           </a:p>
           <a:p>
             <a:pPr lvl="1"/>
             <a:r>
               <a:rPr lang="en-US" sz="1600" dirty="0" err="1"/>
-              <a:t>Analyse</a:t>
+              <a:t>Effet</a:t>
             </a:r>
             <a:r>
               <a:rPr lang="en-US" sz="1600" dirty="0"/>
-              <a:t>, </a:t>
-            </a:r>
-            <a:r>
-              <a:rPr lang="en-US" sz="1600" dirty="0" err="1" smtClean="0"/>
-              <a:t>replanification</a:t>
-            </a:r>
-            <a:r>
-              <a:rPr lang="en-US" sz="1600" dirty="0" smtClean="0"/>
-              <a:t> </a:t>
-            </a:r>
-            <a:r>
-              <a:rPr lang="en-US" sz="1600" dirty="0" err="1" smtClean="0"/>
-              <a:t>effectuée</a:t>
-            </a:r>
-            <a:r>
-              <a:rPr lang="en-US" sz="1600" dirty="0" smtClean="0"/>
-              <a:t> </a:t>
+              <a:t> direct sur la video : </a:t>
+            </a:r>
+            <a:r>
+              <a:rPr lang="en-US" sz="1600" dirty="0" err="1"/>
+              <a:t>partie</a:t>
             </a:r>
             <a:r>
               <a:rPr lang="en-US" sz="1600" dirty="0"/>
-              <a:t>: </a:t>
+              <a:t> pas </a:t>
             </a:r>
             <a:r>
               <a:rPr lang="en-US" sz="1600" dirty="0" err="1"/>
-              <a:t>nouvelles</a:t>
+              <a:t>commencée</a:t>
+            </a:r>
+            <a:endParaRPr lang="en-US" sz="1600" dirty="0"/>
+          </a:p>
+          <a:p>
+            <a:r>
+              <a:rPr lang="en-US" dirty="0"/>
+              <a:t>Causes :</a:t>
+            </a:r>
+          </a:p>
+          <a:p>
+            <a:pPr lvl="1"/>
+            <a:r>
+              <a:rPr lang="en-US" sz="1600" dirty="0" err="1"/>
+              <a:t>Mauvaise</a:t>
             </a:r>
             <a:r>
               <a:rPr lang="en-US" sz="1600" dirty="0"/>
               <a:t> </a:t>
             </a:r>
             <a:r>
+              <a:rPr lang="fr-CH" sz="1600" dirty="0"/>
+              <a:t>organisation</a:t>
+            </a:r>
+            <a:r>
+              <a:rPr lang="en-US" sz="1600" dirty="0"/>
+              <a:t> au </a:t>
+            </a:r>
+            <a:r>
               <a:rPr lang="en-US" sz="1600" dirty="0" err="1"/>
-              <a:t>itérations</a:t>
+              <a:t>départ</a:t>
             </a:r>
             <a:r>
               <a:rPr lang="en-US" sz="1600" dirty="0"/>
-              <a:t>.</a:t>
-            </a:r>
-          </a:p>
-          <a:p>
-            <a:pPr lvl="1"/>
-            <a:r>
-              <a:rPr lang="en-US" sz="1600" dirty="0"/>
-              <a:t>Il sera possible de </a:t>
-            </a:r>
-            <a:r>
-              <a:rPr lang="en-US" sz="1600" dirty="0" err="1"/>
-              <a:t>rendre</a:t>
-            </a:r>
-            <a:r>
-              <a:rPr lang="en-US" sz="1600" dirty="0"/>
-              <a:t> le </a:t>
+              <a:t> du </a:t>
             </a:r>
             <a:r>
               <a:rPr lang="en-US" sz="1600" dirty="0" err="1"/>
               <a:t>projet</a:t>
             </a:r>
+            <a:endParaRPr lang="en-US" sz="1600" dirty="0"/>
+          </a:p>
+          <a:p>
+            <a:pPr lvl="1"/>
             <a:r>
               <a:rPr lang="en-US" sz="1600" dirty="0"/>
-              <a:t> </a:t>
-            </a:r>
+              <a:t>Précipitation pour coder</a:t>
+            </a:r>
+          </a:p>
+          <a:p>
+            <a:pPr lvl="1"/>
             <a:r>
               <a:rPr lang="en-US" sz="1600" dirty="0" err="1"/>
-              <a:t>dans</a:t>
+              <a:t>Difficultés</a:t>
             </a:r>
             <a:r>
               <a:rPr lang="en-US" sz="1600" dirty="0"/>
-              <a:t> les temps sous reserve </a:t>
-            </a:r>
-            <a:r>
-              <a:rPr lang="en-US" sz="1600" dirty="0" err="1"/>
-              <a:t>qu’aucun</a:t>
-            </a:r>
+              <a:t> techniques.</a:t>
+            </a:r>
+          </a:p>
+          <a:p>
+            <a:pPr lvl="1"/>
             <a:r>
               <a:rPr lang="en-US" sz="1600" dirty="0"/>
-              <a:t> </a:t>
-            </a:r>
-            <a:r>
-              <a:rPr lang="en-US" sz="1600" dirty="0" err="1" smtClean="0"/>
-              <a:t>autre</a:t>
-            </a:r>
-            <a:r>
-              <a:rPr lang="en-US" sz="1600" dirty="0" smtClean="0"/>
-              <a:t> </a:t>
-            </a:r>
-            <a:r>
-              <a:rPr lang="en-US" sz="1600" dirty="0" err="1"/>
-              <a:t>problème</a:t>
-            </a:r>
-            <a:r>
-              <a:rPr lang="en-US" sz="1600" dirty="0"/>
-              <a:t> </a:t>
-            </a:r>
-            <a:r>
-              <a:rPr lang="en-US" sz="1600" dirty="0" err="1"/>
-              <a:t>majeur</a:t>
-            </a:r>
-            <a:r>
-              <a:rPr lang="en-US" sz="1600" dirty="0"/>
-              <a:t> </a:t>
-            </a:r>
-            <a:r>
-              <a:rPr lang="en-US" sz="1600" dirty="0" err="1" smtClean="0"/>
-              <a:t>n’apparaisse</a:t>
-            </a:r>
-            <a:r>
-              <a:rPr lang="en-US" sz="1600" dirty="0" smtClean="0"/>
-              <a:t>…</a:t>
-            </a:r>
-            <a:endParaRPr lang="en-US" sz="1600" dirty="0"/>
+              <a:t>Communication</a:t>
+            </a:r>
           </a:p>
         </p:txBody>
       </p:sp>
     </p:spTree>
-    <p:extLst>
-      <p:ext uri="{BB962C8B-B14F-4D97-AF65-F5344CB8AC3E}">
-        <p14:creationId xmlns:p14="http://schemas.microsoft.com/office/powerpoint/2010/main" val="1031983229"/>
-      </p:ext>
-    </p:extLst>
   </p:cSld>
   <p:clrMapOvr>
     <a:masterClrMapping/>
@@ -5844,15 +5754,9 @@
       </p:grpSpPr>
       <p:sp>
         <p:nvSpPr>
-          <p:cNvPr id="2" name="Titre 1">
-            <a:extLst>
-              <a:ext uri="{FF2B5EF4-FFF2-40B4-BE49-F238E27FC236}">
-                <a16:creationId xmlns="" xmlns:a16="http://schemas.microsoft.com/office/drawing/2014/main" id="{385D8F2F-B0C0-4893-B1EA-5517B6CFF217}"/>
-              </a:ext>
-            </a:extLst>
-          </p:cNvPr>
-          <p:cNvSpPr>
-            <a:spLocks noGrp="1"/>
+          <p:cNvPr id="29698" name="Rectangle 2"/>
+          <p:cNvSpPr>
+            <a:spLocks noGrp="1" noChangeArrowheads="1"/>
           </p:cNvSpPr>
           <p:nvPr>
             <p:ph type="title"/>
@@ -5864,26 +5768,29 @@
           <a:lstStyle/>
           <a:p>
             <a:r>
-              <a:rPr lang="fr-CH" dirty="0"/>
-              <a:t>Démonstration</a:t>
-            </a:r>
-          </a:p>
-        </p:txBody>
-      </p:sp>
-      <p:sp>
-        <p:nvSpPr>
-          <p:cNvPr id="3" name="Espace réservé du contenu 2">
-            <a:extLst>
-              <a:ext uri="{FF2B5EF4-FFF2-40B4-BE49-F238E27FC236}">
-                <a16:creationId xmlns="" xmlns:a16="http://schemas.microsoft.com/office/drawing/2014/main" id="{CB7CEF96-F08F-465A-8DEE-258E69953B64}"/>
-              </a:ext>
-            </a:extLst>
-          </p:cNvPr>
-          <p:cNvSpPr>
-            <a:spLocks noGrp="1"/>
-          </p:cNvSpPr>
-          <p:nvPr>
-            <p:ph idx="1"/>
+              <a:rPr lang="en-US" dirty="0" err="1"/>
+              <a:t>Avancement</a:t>
+            </a:r>
+            <a:r>
+              <a:rPr lang="en-US" dirty="0"/>
+              <a:t> du </a:t>
+            </a:r>
+            <a:r>
+              <a:rPr lang="en-US" dirty="0" err="1"/>
+              <a:t>projet</a:t>
+            </a:r>
+            <a:endParaRPr lang="en-US" dirty="0"/>
+          </a:p>
+        </p:txBody>
+      </p:sp>
+      <p:sp>
+        <p:nvSpPr>
+          <p:cNvPr id="29699" name="Rectangle 3"/>
+          <p:cNvSpPr>
+            <a:spLocks noGrp="1" noChangeArrowheads="1"/>
+          </p:cNvSpPr>
+          <p:nvPr>
+            <p:ph type="body" idx="1"/>
           </p:nvPr>
         </p:nvSpPr>
         <p:spPr/>
@@ -5892,8 +5799,141 @@
           <a:lstStyle/>
           <a:p>
             <a:r>
-              <a:rPr lang="fr-CH" dirty="0"/>
-              <a:t>Démo de notre interface graphique</a:t>
+              <a:rPr lang="en-US" dirty="0" err="1"/>
+              <a:t>Conséquences</a:t>
+            </a:r>
+            <a:r>
+              <a:rPr lang="en-US" dirty="0"/>
+              <a:t> :</a:t>
+            </a:r>
+          </a:p>
+          <a:p>
+            <a:pPr lvl="1"/>
+            <a:r>
+              <a:rPr lang="en-US" sz="1600" dirty="0"/>
+              <a:t>2 </a:t>
+            </a:r>
+            <a:r>
+              <a:rPr lang="en-US" sz="1600" dirty="0" err="1"/>
+              <a:t>semaines</a:t>
+            </a:r>
+            <a:r>
+              <a:rPr lang="en-US" sz="1600" dirty="0"/>
+              <a:t> de retard environ</a:t>
+            </a:r>
+          </a:p>
+          <a:p>
+            <a:pPr lvl="1"/>
+            <a:r>
+              <a:rPr lang="en-US" sz="1600" dirty="0" err="1"/>
+              <a:t>Analyse</a:t>
+            </a:r>
+            <a:r>
+              <a:rPr lang="en-US" sz="1600" dirty="0"/>
+              <a:t>, </a:t>
+            </a:r>
+            <a:r>
+              <a:rPr lang="en-US" sz="1600" dirty="0" err="1"/>
+              <a:t>replanification</a:t>
+            </a:r>
+            <a:r>
+              <a:rPr lang="en-US" sz="1600" dirty="0"/>
+              <a:t> </a:t>
+            </a:r>
+            <a:r>
+              <a:rPr lang="en-US" sz="1600" dirty="0" err="1"/>
+              <a:t>effectuée</a:t>
+            </a:r>
+            <a:r>
+              <a:rPr lang="en-US" sz="1600" dirty="0"/>
+              <a:t> : </a:t>
+            </a:r>
+            <a:r>
+              <a:rPr lang="en-US" sz="1600" dirty="0" err="1"/>
+              <a:t>nouvelles</a:t>
+            </a:r>
+            <a:r>
+              <a:rPr lang="en-US" sz="1600" dirty="0"/>
+              <a:t> </a:t>
+            </a:r>
+            <a:r>
+              <a:rPr lang="en-US" sz="1600" dirty="0" err="1"/>
+              <a:t>itérations</a:t>
+            </a:r>
+            <a:r>
+              <a:rPr lang="en-US" sz="1600" dirty="0"/>
+              <a:t>.</a:t>
+            </a:r>
+          </a:p>
+          <a:p>
+            <a:pPr lvl="1"/>
+            <a:r>
+              <a:rPr lang="en-US" sz="1600" dirty="0"/>
+              <a:t>Il sera possible de </a:t>
+            </a:r>
+            <a:r>
+              <a:rPr lang="en-US" sz="1600" dirty="0" err="1"/>
+              <a:t>rendre</a:t>
+            </a:r>
+            <a:r>
+              <a:rPr lang="en-US" sz="1600" dirty="0"/>
+              <a:t> le </a:t>
+            </a:r>
+            <a:r>
+              <a:rPr lang="en-US" sz="1600" dirty="0" err="1"/>
+              <a:t>projet</a:t>
+            </a:r>
+            <a:r>
+              <a:rPr lang="en-US" sz="1600" dirty="0"/>
+              <a:t> </a:t>
+            </a:r>
+            <a:r>
+              <a:rPr lang="en-US" sz="1600" dirty="0" err="1"/>
+              <a:t>dans</a:t>
+            </a:r>
+            <a:r>
+              <a:rPr lang="en-US" sz="1600" dirty="0"/>
+              <a:t> les temps sous reserve </a:t>
+            </a:r>
+            <a:r>
+              <a:rPr lang="en-US" sz="1600" dirty="0" err="1"/>
+              <a:t>qu’aucun</a:t>
+            </a:r>
+            <a:r>
+              <a:rPr lang="en-US" sz="1600" dirty="0"/>
+              <a:t> </a:t>
+            </a:r>
+            <a:r>
+              <a:rPr lang="en-US" sz="1600" dirty="0" err="1"/>
+              <a:t>autre</a:t>
+            </a:r>
+            <a:r>
+              <a:rPr lang="en-US" sz="1600" dirty="0"/>
+              <a:t> </a:t>
+            </a:r>
+            <a:r>
+              <a:rPr lang="en-US" sz="1600" dirty="0" err="1"/>
+              <a:t>problème</a:t>
+            </a:r>
+            <a:r>
+              <a:rPr lang="en-US" sz="1600" dirty="0"/>
+              <a:t> </a:t>
+            </a:r>
+            <a:r>
+              <a:rPr lang="en-US" sz="1600" dirty="0" err="1"/>
+              <a:t>majeur</a:t>
+            </a:r>
+            <a:r>
+              <a:rPr lang="en-US" sz="1600" dirty="0"/>
+              <a:t> </a:t>
+            </a:r>
+            <a:r>
+              <a:rPr lang="en-US" sz="1600" dirty="0" err="1"/>
+              <a:t>n’apparaisse</a:t>
+            </a:r>
+            <a:r>
+              <a:rPr lang="en-US" sz="1600" dirty="0"/>
+              <a:t>…</a:t>
             </a:r>
           </a:p>
         </p:txBody>
@@ -5901,7 +5941,7 @@
     </p:spTree>
     <p:extLst>
       <p:ext uri="{BB962C8B-B14F-4D97-AF65-F5344CB8AC3E}">
-        <p14:creationId xmlns:p14="http://schemas.microsoft.com/office/powerpoint/2010/main" val="1694344478"/>
+        <p14:creationId xmlns:p14="http://schemas.microsoft.com/office/powerpoint/2010/main" val="1031983229"/>
       </p:ext>
     </p:extLst>
   </p:cSld>
@@ -6161,7 +6201,7 @@
         <a:effectLst/>
         <a:extLst>
           <a:ext uri="{AF507438-7753-43e0-B8FC-AC1667EBCBE1}">
-            <a14:hiddenEffects xmlns:a14="http://schemas.microsoft.com/office/drawing/2010/main">
+            <a14:hiddenEffects xmlns:a14="http://schemas.microsoft.com/office/drawing/2010/main" xmlns="">
               <a:effectLst>
                 <a:outerShdw dist="35921" dir="2700000" algn="ctr" rotWithShape="0">
                   <a:schemeClr val="bg2"/>
@@ -6234,7 +6274,7 @@
         <a:effectLst/>
         <a:extLst>
           <a:ext uri="{AF507438-7753-43e0-B8FC-AC1667EBCBE1}">
-            <a14:hiddenEffects xmlns:a14="http://schemas.microsoft.com/office/drawing/2010/main">
+            <a14:hiddenEffects xmlns:a14="http://schemas.microsoft.com/office/drawing/2010/main" xmlns="">
               <a:effectLst>
                 <a:outerShdw dist="35921" dir="2700000" algn="ctr" rotWithShape="0">
                   <a:schemeClr val="bg2"/>

--- a/Projet OMP.pptx
+++ b/Projet OMP.pptx
@@ -4989,18 +4989,38 @@
           <a:p>
             <a:r>
               <a:rPr lang="en-US" sz="2100" dirty="0"/>
-              <a:t>FXML</a:t>
+              <a:t>FXML et Java Scene Builder</a:t>
             </a:r>
           </a:p>
           <a:p>
             <a:pPr lvl="1"/>
             <a:r>
+              <a:rPr lang="en-US" sz="1900" dirty="0"/>
+              <a:t>Java Scene Builder </a:t>
+            </a:r>
+            <a:r>
               <a:rPr lang="en-US" sz="1900" dirty="0" err="1"/>
-              <a:t>Simplicité</a:t>
+              <a:t>utilise</a:t>
             </a:r>
             <a:r>
               <a:rPr lang="en-US" sz="1900" dirty="0"/>
-              <a:t> pour </a:t>
+              <a:t> le FXML un </a:t>
+            </a:r>
+            <a:r>
+              <a:rPr lang="en-US" sz="1900" dirty="0" err="1"/>
+              <a:t>langage</a:t>
+            </a:r>
+            <a:r>
+              <a:rPr lang="en-US" sz="1900" dirty="0"/>
+              <a:t> </a:t>
+            </a:r>
+            <a:r>
+              <a:rPr lang="en-US" sz="1900" dirty="0" err="1"/>
+              <a:t>basé</a:t>
+            </a:r>
+            <a:r>
+              <a:rPr lang="en-US" sz="1900" dirty="0"/>
+              <a:t> sur le xml pour </a:t>
             </a:r>
             <a:r>
               <a:rPr lang="en-US" sz="1900" dirty="0" err="1"/>
@@ -5008,16 +5028,20 @@
             </a:r>
             <a:r>
               <a:rPr lang="en-US" sz="1900" dirty="0"/>
-              <a:t> la </a:t>
+              <a:t> des interfaces </a:t>
             </a:r>
             <a:r>
               <a:rPr lang="en-US" sz="1900" dirty="0" err="1"/>
-              <a:t>vue</a:t>
+              <a:t>graphiques</a:t>
             </a:r>
             <a:r>
               <a:rPr lang="en-US" sz="1900" dirty="0"/>
-              <a:t> avec l</a:t>
-            </a:r>
+              <a:t> avec JavaFX. </a:t>
+            </a:r>
+          </a:p>
+          <a:p>
+            <a:pPr lvl="1"/>
+            <a:endParaRPr lang="en-US" sz="1900" dirty="0"/>
           </a:p>
           <a:p>
             <a:endParaRPr lang="en-US" dirty="0"/>

--- a/Projet OMP.pptx
+++ b/Projet OMP.pptx
@@ -5,10 +5,10 @@
     <p:sldMasterId id="2147483648" r:id="rId2"/>
   </p:sldMasterIdLst>
   <p:notesMasterIdLst>
-    <p:notesMasterId r:id="rId13"/>
+    <p:notesMasterId r:id="rId14"/>
   </p:notesMasterIdLst>
   <p:handoutMasterIdLst>
-    <p:handoutMasterId r:id="rId14"/>
+    <p:handoutMasterId r:id="rId15"/>
   </p:handoutMasterIdLst>
   <p:sldIdLst>
     <p:sldId id="256" r:id="rId3"/>
@@ -20,7 +20,8 @@
     <p:sldId id="264" r:id="rId9"/>
     <p:sldId id="265" r:id="rId10"/>
     <p:sldId id="268" r:id="rId11"/>
-    <p:sldId id="266" r:id="rId12"/>
+    <p:sldId id="271" r:id="rId12"/>
+    <p:sldId id="266" r:id="rId13"/>
   </p:sldIdLst>
   <p:sldSz cx="9144000" cy="6858000" type="screen4x3"/>
   <p:notesSz cx="6946900" cy="9283700"/>
@@ -4349,6 +4350,100 @@
       </p:grpSpPr>
       <p:sp>
         <p:nvSpPr>
+          <p:cNvPr id="2" name="Titre 1">
+            <a:extLst>
+              <a:ext uri="{FF2B5EF4-FFF2-40B4-BE49-F238E27FC236}">
+                <a16:creationId xmlns:a16="http://schemas.microsoft.com/office/drawing/2014/main" id="{45992B73-5F41-44B4-BB03-A75E3A7CED2B}"/>
+              </a:ext>
+            </a:extLst>
+          </p:cNvPr>
+          <p:cNvSpPr>
+            <a:spLocks noGrp="1"/>
+          </p:cNvSpPr>
+          <p:nvPr>
+            <p:ph type="title"/>
+          </p:nvPr>
+        </p:nvSpPr>
+        <p:spPr/>
+        <p:txBody>
+          <a:bodyPr/>
+          <a:lstStyle/>
+          <a:p>
+            <a:r>
+              <a:rPr lang="fr-CH"/>
+              <a:t>Démonstration</a:t>
+            </a:r>
+            <a:endParaRPr lang="fr-CH" dirty="0"/>
+          </a:p>
+        </p:txBody>
+      </p:sp>
+      <p:sp>
+        <p:nvSpPr>
+          <p:cNvPr id="3" name="Espace réservé du contenu 2">
+            <a:extLst>
+              <a:ext uri="{FF2B5EF4-FFF2-40B4-BE49-F238E27FC236}">
+                <a16:creationId xmlns:a16="http://schemas.microsoft.com/office/drawing/2014/main" id="{832FBCB0-D44E-44D4-B5B3-DF4FAB532A2F}"/>
+              </a:ext>
+            </a:extLst>
+          </p:cNvPr>
+          <p:cNvSpPr>
+            <a:spLocks noGrp="1"/>
+          </p:cNvSpPr>
+          <p:nvPr>
+            <p:ph idx="1"/>
+          </p:nvPr>
+        </p:nvSpPr>
+        <p:spPr/>
+        <p:txBody>
+          <a:bodyPr/>
+          <a:lstStyle/>
+          <a:p>
+            <a:r>
+              <a:rPr lang="fr-CH" dirty="0"/>
+              <a:t>Interface Graphique</a:t>
+            </a:r>
+          </a:p>
+          <a:p>
+            <a:r>
+              <a:rPr lang="fr-CH"/>
+              <a:t>MediaView</a:t>
+            </a:r>
+            <a:endParaRPr lang="fr-CH" dirty="0"/>
+          </a:p>
+        </p:txBody>
+      </p:sp>
+    </p:spTree>
+    <p:extLst>
+      <p:ext uri="{BB962C8B-B14F-4D97-AF65-F5344CB8AC3E}">
+        <p14:creationId xmlns:p14="http://schemas.microsoft.com/office/powerpoint/2010/main" val="1123604754"/>
+      </p:ext>
+    </p:extLst>
+  </p:cSld>
+  <p:clrMapOvr>
+    <a:masterClrMapping/>
+  </p:clrMapOvr>
+</p:sld>
+</file>
+
+<file path=ppt/slides/slide11.xml><?xml version="1.0" encoding="utf-8"?>
+<p:sld xmlns:a="http://schemas.openxmlformats.org/drawingml/2006/main" xmlns:r="http://schemas.openxmlformats.org/officeDocument/2006/relationships" xmlns:p="http://schemas.openxmlformats.org/presentationml/2006/main">
+  <p:cSld>
+    <p:spTree>
+      <p:nvGrpSpPr>
+        <p:cNvPr id="1" name=""/>
+        <p:cNvGrpSpPr/>
+        <p:nvPr/>
+      </p:nvGrpSpPr>
+      <p:grpSpPr>
+        <a:xfrm>
+          <a:off x="0" y="0"/>
+          <a:ext cx="0" cy="0"/>
+          <a:chOff x="0" y="0"/>
+          <a:chExt cx="0" cy="0"/>
+        </a:xfrm>
+      </p:grpSpPr>
+      <p:sp>
+        <p:nvSpPr>
           <p:cNvPr id="30722" name="Rectangle 2"/>
           <p:cNvSpPr>
             <a:spLocks noGrp="1" noChangeArrowheads="1"/>
@@ -4504,6 +4599,12 @@
             <a:r>
               <a:rPr lang="fr-CH" dirty="0"/>
               <a:t>Planning et Avancement</a:t>
+            </a:r>
+          </a:p>
+          <a:p>
+            <a:r>
+              <a:rPr lang="fr-CH" dirty="0"/>
+              <a:t>Démonstration</a:t>
             </a:r>
           </a:p>
           <a:p>
@@ -4610,7 +4711,7 @@
             <a:pPr lvl="1"/>
             <a:r>
               <a:rPr lang="en-US" sz="1600" dirty="0"/>
-              <a:t>Formats supportés : Mp3, wav, aiff, aac</a:t>
+              <a:t>Formats supportés : mp3, wav, aiff, aac</a:t>
             </a:r>
           </a:p>
           <a:p>
@@ -4623,7 +4724,7 @@
             <a:pPr lvl="1"/>
             <a:r>
               <a:rPr lang="en-US" sz="1600" dirty="0"/>
-              <a:t>Formats supportés : Mp4, flv</a:t>
+              <a:t>Formats supportés : mp4, flv</a:t>
             </a:r>
           </a:p>
           <a:p>
@@ -4644,16 +4745,13 @@
             </a:r>
             <a:r>
               <a:rPr lang="en-US" sz="1600" dirty="0"/>
-              <a:t>, zoom, lecture </a:t>
+              <a:t>, volume,  lecture </a:t>
             </a:r>
             <a:r>
               <a:rPr lang="fr-CH" sz="1600" dirty="0"/>
-              <a:t>aléatoire</a:t>
-            </a:r>
-            <a:r>
-              <a:rPr lang="en-US" sz="1600" dirty="0"/>
-              <a:t>…</a:t>
-            </a:r>
+              <a:t>aléatoire, lecture vidéos en ligne</a:t>
+            </a:r>
+            <a:endParaRPr lang="en-US" sz="1600" dirty="0"/>
           </a:p>
         </p:txBody>
       </p:sp>
@@ -4942,10 +5040,7 @@
               <a:rPr lang="en-US" sz="1700" dirty="0" err="1"/>
               <a:t>récents</a:t>
             </a:r>
-            <a:r>
-              <a:rPr lang="en-US" sz="1700" dirty="0"/>
-              <a:t>.</a:t>
-            </a:r>
+            <a:endParaRPr lang="en-US" sz="1700" dirty="0"/>
           </a:p>
           <a:p>
             <a:pPr lvl="1"/>
@@ -5391,8 +5486,48 @@
             </a:r>
             <a:r>
               <a:rPr lang="en-US" dirty="0"/>
-              <a:t> :	</a:t>
-            </a:r>
+              <a:t> :</a:t>
+            </a:r>
+          </a:p>
+          <a:p>
+            <a:pPr lvl="1"/>
+            <a:r>
+              <a:rPr lang="en-US" dirty="0"/>
+              <a:t>Interface </a:t>
+            </a:r>
+            <a:r>
+              <a:rPr lang="en-US" dirty="0" err="1"/>
+              <a:t>utilisateur</a:t>
+            </a:r>
+            <a:r>
+              <a:rPr lang="en-US" dirty="0"/>
+              <a:t> </a:t>
+            </a:r>
+            <a:r>
+              <a:rPr lang="en-US" dirty="0">
+                <a:sym typeface="Wingdings" panose="05000000000000000000" pitchFamily="2" charset="2"/>
+              </a:rPr>
+              <a:t> 5.4.2018</a:t>
+            </a:r>
+            <a:endParaRPr lang="en-US" dirty="0"/>
+          </a:p>
+          <a:p>
+            <a:pPr lvl="1"/>
+            <a:r>
+              <a:rPr lang="en-US" dirty="0" err="1"/>
+              <a:t>Bibliotheque</a:t>
+            </a:r>
+            <a:r>
+              <a:rPr lang="en-US" dirty="0"/>
+              <a:t> XML </a:t>
+            </a:r>
+            <a:r>
+              <a:rPr lang="en-US" dirty="0">
+                <a:sym typeface="Wingdings" panose="05000000000000000000" pitchFamily="2" charset="2"/>
+              </a:rPr>
+              <a:t> 5.4.2018</a:t>
+            </a:r>
+            <a:endParaRPr lang="en-US" dirty="0"/>
           </a:p>
           <a:p>
             <a:pPr lvl="1"/>
@@ -5436,14 +5571,6 @@
               </a:rPr>
               <a:t>   3.5.2018</a:t>
             </a:r>
-          </a:p>
-          <a:p>
-            <a:pPr marL="457200" lvl="1" indent="0">
-              <a:buNone/>
-            </a:pPr>
-            <a:endParaRPr lang="en-US" dirty="0">
-              <a:sym typeface="Wingdings" panose="05000000000000000000" pitchFamily="2" charset="2"/>
-            </a:endParaRPr>
           </a:p>
           <a:p>
             <a:pPr marL="400050"/>
@@ -5739,7 +5866,7 @@
             </a:r>
             <a:r>
               <a:rPr lang="en-US" sz="1600" dirty="0"/>
-              <a:t> techniques.</a:t>
+              <a:t> techniques</a:t>
             </a:r>
           </a:p>
           <a:p>
@@ -5844,6 +5971,13 @@
             <a:r>
               <a:rPr lang="en-US" sz="1600" dirty="0"/>
               <a:t> de retard environ</a:t>
+            </a:r>
+          </a:p>
+          <a:p>
+            <a:pPr indent="-285750"/>
+            <a:r>
+              <a:rPr lang="en-US" dirty="0"/>
+              <a:t>Solutions</a:t>
             </a:r>
           </a:p>
           <a:p>
